--- a/duan.pptx
+++ b/duan.pptx
@@ -4,6 +4,9 @@
   <p:sldMasterIdLst>
     <p:sldMasterId id="2147483648" r:id="rId1"/>
   </p:sldMasterIdLst>
+  <p:notesMasterIdLst>
+    <p:notesMasterId r:id="rId34"/>
+  </p:notesMasterIdLst>
   <p:sldIdLst>
     <p:sldId id="256" r:id="rId2"/>
     <p:sldId id="257" r:id="rId3"/>
@@ -27,6 +30,16 @@
     <p:sldId id="275" r:id="rId21"/>
     <p:sldId id="276" r:id="rId22"/>
     <p:sldId id="277" r:id="rId23"/>
+    <p:sldId id="278" r:id="rId24"/>
+    <p:sldId id="279" r:id="rId25"/>
+    <p:sldId id="280" r:id="rId26"/>
+    <p:sldId id="282" r:id="rId27"/>
+    <p:sldId id="284" r:id="rId28"/>
+    <p:sldId id="281" r:id="rId29"/>
+    <p:sldId id="283" r:id="rId30"/>
+    <p:sldId id="285" r:id="rId31"/>
+    <p:sldId id="286" r:id="rId32"/>
+    <p:sldId id="287" r:id="rId33"/>
   </p:sldIdLst>
   <p:sldSz cx="12192000" cy="6858000"/>
   <p:notesSz cx="6858000" cy="9144000"/>
@@ -133,6 +146,440 @@
 </p:presentation>
 </file>
 
+<file path=ppt/notesMasters/notesMaster1.xml><?xml version="1.0" encoding="utf-8"?>
+<p:notesMaster xmlns:a="http://schemas.openxmlformats.org/drawingml/2006/main" xmlns:r="http://schemas.openxmlformats.org/officeDocument/2006/relationships" xmlns:p="http://schemas.openxmlformats.org/presentationml/2006/main">
+  <p:cSld>
+    <p:bg>
+      <p:bgRef idx="1001">
+        <a:schemeClr val="bg1"/>
+      </p:bgRef>
+    </p:bg>
+    <p:spTree>
+      <p:nvGrpSpPr>
+        <p:cNvPr id="1" name=""/>
+        <p:cNvGrpSpPr/>
+        <p:nvPr/>
+      </p:nvGrpSpPr>
+      <p:grpSpPr>
+        <a:xfrm>
+          <a:off x="0" y="0"/>
+          <a:ext cx="0" cy="0"/>
+          <a:chOff x="0" y="0"/>
+          <a:chExt cx="0" cy="0"/>
+        </a:xfrm>
+      </p:grpSpPr>
+      <p:sp>
+        <p:nvSpPr>
+          <p:cNvPr id="2" name="Header Placeholder 1"/>
+          <p:cNvSpPr>
+            <a:spLocks noGrp="1"/>
+          </p:cNvSpPr>
+          <p:nvPr>
+            <p:ph type="hdr" sz="quarter"/>
+          </p:nvPr>
+        </p:nvSpPr>
+        <p:spPr>
+          <a:xfrm>
+            <a:off x="0" y="0"/>
+            <a:ext cx="2971800" cy="458788"/>
+          </a:xfrm>
+          <a:prstGeom prst="rect">
+            <a:avLst/>
+          </a:prstGeom>
+        </p:spPr>
+        <p:txBody>
+          <a:bodyPr vert="horz" lIns="91440" tIns="45720" rIns="91440" bIns="45720" rtlCol="0"/>
+          <a:lstStyle>
+            <a:lvl1pPr algn="l">
+              <a:defRPr sz="1200"/>
+            </a:lvl1pPr>
+          </a:lstStyle>
+          <a:p>
+            <a:endParaRPr lang="vi-VN"/>
+          </a:p>
+        </p:txBody>
+      </p:sp>
+      <p:sp>
+        <p:nvSpPr>
+          <p:cNvPr id="3" name="Date Placeholder 2"/>
+          <p:cNvSpPr>
+            <a:spLocks noGrp="1"/>
+          </p:cNvSpPr>
+          <p:nvPr>
+            <p:ph type="dt" idx="1"/>
+          </p:nvPr>
+        </p:nvSpPr>
+        <p:spPr>
+          <a:xfrm>
+            <a:off x="3884613" y="0"/>
+            <a:ext cx="2971800" cy="458788"/>
+          </a:xfrm>
+          <a:prstGeom prst="rect">
+            <a:avLst/>
+          </a:prstGeom>
+        </p:spPr>
+        <p:txBody>
+          <a:bodyPr vert="horz" lIns="91440" tIns="45720" rIns="91440" bIns="45720" rtlCol="0"/>
+          <a:lstStyle>
+            <a:lvl1pPr algn="r">
+              <a:defRPr sz="1200"/>
+            </a:lvl1pPr>
+          </a:lstStyle>
+          <a:p>
+            <a:fld id="{A44ED066-35B0-49E7-B648-0463B06CBE92}" type="datetimeFigureOut">
+              <a:rPr lang="vi-VN" smtClean="0"/>
+              <a:t>28/04/2016</a:t>
+            </a:fld>
+            <a:endParaRPr lang="vi-VN"/>
+          </a:p>
+        </p:txBody>
+      </p:sp>
+      <p:sp>
+        <p:nvSpPr>
+          <p:cNvPr id="4" name="Slide Image Placeholder 3"/>
+          <p:cNvSpPr>
+            <a:spLocks noGrp="1" noRot="1" noChangeAspect="1"/>
+          </p:cNvSpPr>
+          <p:nvPr>
+            <p:ph type="sldImg" idx="2"/>
+          </p:nvPr>
+        </p:nvSpPr>
+        <p:spPr>
+          <a:xfrm>
+            <a:off x="685800" y="1143000"/>
+            <a:ext cx="5486400" cy="3086100"/>
+          </a:xfrm>
+          <a:prstGeom prst="rect">
+            <a:avLst/>
+          </a:prstGeom>
+          <a:noFill/>
+          <a:ln w="12700">
+            <a:solidFill>
+              <a:prstClr val="black"/>
+            </a:solidFill>
+          </a:ln>
+        </p:spPr>
+        <p:txBody>
+          <a:bodyPr vert="horz" lIns="91440" tIns="45720" rIns="91440" bIns="45720" rtlCol="0" anchor="ctr"/>
+          <a:lstStyle/>
+          <a:p>
+            <a:endParaRPr lang="vi-VN"/>
+          </a:p>
+        </p:txBody>
+      </p:sp>
+      <p:sp>
+        <p:nvSpPr>
+          <p:cNvPr id="5" name="Notes Placeholder 4"/>
+          <p:cNvSpPr>
+            <a:spLocks noGrp="1"/>
+          </p:cNvSpPr>
+          <p:nvPr>
+            <p:ph type="body" sz="quarter" idx="3"/>
+          </p:nvPr>
+        </p:nvSpPr>
+        <p:spPr>
+          <a:xfrm>
+            <a:off x="685800" y="4400550"/>
+            <a:ext cx="5486400" cy="3600450"/>
+          </a:xfrm>
+          <a:prstGeom prst="rect">
+            <a:avLst/>
+          </a:prstGeom>
+        </p:spPr>
+        <p:txBody>
+          <a:bodyPr vert="horz" lIns="91440" tIns="45720" rIns="91440" bIns="45720" rtlCol="0"/>
+          <a:lstStyle/>
+          <a:p>
+            <a:pPr lvl="0"/>
+            <a:r>
+              <a:rPr lang="en-US" smtClean="0"/>
+              <a:t>Click to edit Master text styles</a:t>
+            </a:r>
+          </a:p>
+          <a:p>
+            <a:pPr lvl="1"/>
+            <a:r>
+              <a:rPr lang="en-US" smtClean="0"/>
+              <a:t>Second level</a:t>
+            </a:r>
+          </a:p>
+          <a:p>
+            <a:pPr lvl="2"/>
+            <a:r>
+              <a:rPr lang="en-US" smtClean="0"/>
+              <a:t>Third level</a:t>
+            </a:r>
+          </a:p>
+          <a:p>
+            <a:pPr lvl="3"/>
+            <a:r>
+              <a:rPr lang="en-US" smtClean="0"/>
+              <a:t>Fourth level</a:t>
+            </a:r>
+          </a:p>
+          <a:p>
+            <a:pPr lvl="4"/>
+            <a:r>
+              <a:rPr lang="en-US" smtClean="0"/>
+              <a:t>Fifth level</a:t>
+            </a:r>
+            <a:endParaRPr lang="vi-VN"/>
+          </a:p>
+        </p:txBody>
+      </p:sp>
+      <p:sp>
+        <p:nvSpPr>
+          <p:cNvPr id="6" name="Footer Placeholder 5"/>
+          <p:cNvSpPr>
+            <a:spLocks noGrp="1"/>
+          </p:cNvSpPr>
+          <p:nvPr>
+            <p:ph type="ftr" sz="quarter" idx="4"/>
+          </p:nvPr>
+        </p:nvSpPr>
+        <p:spPr>
+          <a:xfrm>
+            <a:off x="0" y="8685213"/>
+            <a:ext cx="2971800" cy="458787"/>
+          </a:xfrm>
+          <a:prstGeom prst="rect">
+            <a:avLst/>
+          </a:prstGeom>
+        </p:spPr>
+        <p:txBody>
+          <a:bodyPr vert="horz" lIns="91440" tIns="45720" rIns="91440" bIns="45720" rtlCol="0" anchor="b"/>
+          <a:lstStyle>
+            <a:lvl1pPr algn="l">
+              <a:defRPr sz="1200"/>
+            </a:lvl1pPr>
+          </a:lstStyle>
+          <a:p>
+            <a:endParaRPr lang="vi-VN"/>
+          </a:p>
+        </p:txBody>
+      </p:sp>
+      <p:sp>
+        <p:nvSpPr>
+          <p:cNvPr id="7" name="Slide Number Placeholder 6"/>
+          <p:cNvSpPr>
+            <a:spLocks noGrp="1"/>
+          </p:cNvSpPr>
+          <p:nvPr>
+            <p:ph type="sldNum" sz="quarter" idx="5"/>
+          </p:nvPr>
+        </p:nvSpPr>
+        <p:spPr>
+          <a:xfrm>
+            <a:off x="3884613" y="8685213"/>
+            <a:ext cx="2971800" cy="458787"/>
+          </a:xfrm>
+          <a:prstGeom prst="rect">
+            <a:avLst/>
+          </a:prstGeom>
+        </p:spPr>
+        <p:txBody>
+          <a:bodyPr vert="horz" lIns="91440" tIns="45720" rIns="91440" bIns="45720" rtlCol="0" anchor="b"/>
+          <a:lstStyle>
+            <a:lvl1pPr algn="r">
+              <a:defRPr sz="1200"/>
+            </a:lvl1pPr>
+          </a:lstStyle>
+          <a:p>
+            <a:fld id="{B3CD3E52-9C94-4FAC-B95B-81AD06DEB0B6}" type="slidenum">
+              <a:rPr lang="vi-VN" smtClean="0"/>
+              <a:t>‹#›</a:t>
+            </a:fld>
+            <a:endParaRPr lang="vi-VN"/>
+          </a:p>
+        </p:txBody>
+      </p:sp>
+    </p:spTree>
+    <p:extLst>
+      <p:ext uri="{BB962C8B-B14F-4D97-AF65-F5344CB8AC3E}">
+        <p14:creationId xmlns:p14="http://schemas.microsoft.com/office/powerpoint/2010/main" val="2477217785"/>
+      </p:ext>
+    </p:extLst>
+  </p:cSld>
+  <p:clrMap bg1="lt1" tx1="dk1" bg2="lt2" tx2="dk2" accent1="accent1" accent2="accent2" accent3="accent3" accent4="accent4" accent5="accent5" accent6="accent6" hlink="hlink" folHlink="folHlink"/>
+  <p:notesStyle>
+    <a:lvl1pPr marL="0" algn="l" defTabSz="914400" rtl="0" eaLnBrk="1" latinLnBrk="0" hangingPunct="1">
+      <a:defRPr sz="1200" kern="1200">
+        <a:solidFill>
+          <a:schemeClr val="tx1"/>
+        </a:solidFill>
+        <a:latin typeface="+mn-lt"/>
+        <a:ea typeface="+mn-ea"/>
+        <a:cs typeface="+mn-cs"/>
+      </a:defRPr>
+    </a:lvl1pPr>
+    <a:lvl2pPr marL="457200" algn="l" defTabSz="914400" rtl="0" eaLnBrk="1" latinLnBrk="0" hangingPunct="1">
+      <a:defRPr sz="1200" kern="1200">
+        <a:solidFill>
+          <a:schemeClr val="tx1"/>
+        </a:solidFill>
+        <a:latin typeface="+mn-lt"/>
+        <a:ea typeface="+mn-ea"/>
+        <a:cs typeface="+mn-cs"/>
+      </a:defRPr>
+    </a:lvl2pPr>
+    <a:lvl3pPr marL="914400" algn="l" defTabSz="914400" rtl="0" eaLnBrk="1" latinLnBrk="0" hangingPunct="1">
+      <a:defRPr sz="1200" kern="1200">
+        <a:solidFill>
+          <a:schemeClr val="tx1"/>
+        </a:solidFill>
+        <a:latin typeface="+mn-lt"/>
+        <a:ea typeface="+mn-ea"/>
+        <a:cs typeface="+mn-cs"/>
+      </a:defRPr>
+    </a:lvl3pPr>
+    <a:lvl4pPr marL="1371600" algn="l" defTabSz="914400" rtl="0" eaLnBrk="1" latinLnBrk="0" hangingPunct="1">
+      <a:defRPr sz="1200" kern="1200">
+        <a:solidFill>
+          <a:schemeClr val="tx1"/>
+        </a:solidFill>
+        <a:latin typeface="+mn-lt"/>
+        <a:ea typeface="+mn-ea"/>
+        <a:cs typeface="+mn-cs"/>
+      </a:defRPr>
+    </a:lvl4pPr>
+    <a:lvl5pPr marL="1828800" algn="l" defTabSz="914400" rtl="0" eaLnBrk="1" latinLnBrk="0" hangingPunct="1">
+      <a:defRPr sz="1200" kern="1200">
+        <a:solidFill>
+          <a:schemeClr val="tx1"/>
+        </a:solidFill>
+        <a:latin typeface="+mn-lt"/>
+        <a:ea typeface="+mn-ea"/>
+        <a:cs typeface="+mn-cs"/>
+      </a:defRPr>
+    </a:lvl5pPr>
+    <a:lvl6pPr marL="2286000" algn="l" defTabSz="914400" rtl="0" eaLnBrk="1" latinLnBrk="0" hangingPunct="1">
+      <a:defRPr sz="1200" kern="1200">
+        <a:solidFill>
+          <a:schemeClr val="tx1"/>
+        </a:solidFill>
+        <a:latin typeface="+mn-lt"/>
+        <a:ea typeface="+mn-ea"/>
+        <a:cs typeface="+mn-cs"/>
+      </a:defRPr>
+    </a:lvl6pPr>
+    <a:lvl7pPr marL="2743200" algn="l" defTabSz="914400" rtl="0" eaLnBrk="1" latinLnBrk="0" hangingPunct="1">
+      <a:defRPr sz="1200" kern="1200">
+        <a:solidFill>
+          <a:schemeClr val="tx1"/>
+        </a:solidFill>
+        <a:latin typeface="+mn-lt"/>
+        <a:ea typeface="+mn-ea"/>
+        <a:cs typeface="+mn-cs"/>
+      </a:defRPr>
+    </a:lvl7pPr>
+    <a:lvl8pPr marL="3200400" algn="l" defTabSz="914400" rtl="0" eaLnBrk="1" latinLnBrk="0" hangingPunct="1">
+      <a:defRPr sz="1200" kern="1200">
+        <a:solidFill>
+          <a:schemeClr val="tx1"/>
+        </a:solidFill>
+        <a:latin typeface="+mn-lt"/>
+        <a:ea typeface="+mn-ea"/>
+        <a:cs typeface="+mn-cs"/>
+      </a:defRPr>
+    </a:lvl8pPr>
+    <a:lvl9pPr marL="3657600" algn="l" defTabSz="914400" rtl="0" eaLnBrk="1" latinLnBrk="0" hangingPunct="1">
+      <a:defRPr sz="1200" kern="1200">
+        <a:solidFill>
+          <a:schemeClr val="tx1"/>
+        </a:solidFill>
+        <a:latin typeface="+mn-lt"/>
+        <a:ea typeface="+mn-ea"/>
+        <a:cs typeface="+mn-cs"/>
+      </a:defRPr>
+    </a:lvl9pPr>
+  </p:notesStyle>
+</p:notesMaster>
+</file>
+
+<file path=ppt/notesSlides/notesSlide1.xml><?xml version="1.0" encoding="utf-8"?>
+<p:notes xmlns:a="http://schemas.openxmlformats.org/drawingml/2006/main" xmlns:r="http://schemas.openxmlformats.org/officeDocument/2006/relationships" xmlns:p="http://schemas.openxmlformats.org/presentationml/2006/main">
+  <p:cSld>
+    <p:spTree>
+      <p:nvGrpSpPr>
+        <p:cNvPr id="1" name=""/>
+        <p:cNvGrpSpPr/>
+        <p:nvPr/>
+      </p:nvGrpSpPr>
+      <p:grpSpPr>
+        <a:xfrm>
+          <a:off x="0" y="0"/>
+          <a:ext cx="0" cy="0"/>
+          <a:chOff x="0" y="0"/>
+          <a:chExt cx="0" cy="0"/>
+        </a:xfrm>
+      </p:grpSpPr>
+      <p:sp>
+        <p:nvSpPr>
+          <p:cNvPr id="2" name="Slide Image Placeholder 1"/>
+          <p:cNvSpPr>
+            <a:spLocks noGrp="1" noRot="1" noChangeAspect="1"/>
+          </p:cNvSpPr>
+          <p:nvPr>
+            <p:ph type="sldImg"/>
+          </p:nvPr>
+        </p:nvSpPr>
+        <p:spPr/>
+      </p:sp>
+      <p:sp>
+        <p:nvSpPr>
+          <p:cNvPr id="3" name="Notes Placeholder 2"/>
+          <p:cNvSpPr>
+            <a:spLocks noGrp="1"/>
+          </p:cNvSpPr>
+          <p:nvPr>
+            <p:ph type="body" idx="1"/>
+          </p:nvPr>
+        </p:nvSpPr>
+        <p:spPr/>
+        <p:txBody>
+          <a:bodyPr/>
+          <a:lstStyle/>
+          <a:p>
+            <a:endParaRPr lang="vi-VN"/>
+          </a:p>
+        </p:txBody>
+      </p:sp>
+      <p:sp>
+        <p:nvSpPr>
+          <p:cNvPr id="4" name="Slide Number Placeholder 3"/>
+          <p:cNvSpPr>
+            <a:spLocks noGrp="1"/>
+          </p:cNvSpPr>
+          <p:nvPr>
+            <p:ph type="sldNum" sz="quarter" idx="10"/>
+          </p:nvPr>
+        </p:nvSpPr>
+        <p:spPr/>
+        <p:txBody>
+          <a:bodyPr/>
+          <a:lstStyle/>
+          <a:p>
+            <a:fld id="{2DFF8BBE-51B0-45FC-83E9-8766595ADCD4}" type="slidenum">
+              <a:rPr lang="vi-VN" smtClean="0"/>
+              <a:t>27</a:t>
+            </a:fld>
+            <a:endParaRPr lang="vi-VN"/>
+          </a:p>
+        </p:txBody>
+      </p:sp>
+    </p:spTree>
+    <p:extLst>
+      <p:ext uri="{BB962C8B-B14F-4D97-AF65-F5344CB8AC3E}">
+        <p14:creationId xmlns:p14="http://schemas.microsoft.com/office/powerpoint/2010/main" val="220024722"/>
+      </p:ext>
+    </p:extLst>
+  </p:cSld>
+  <p:clrMapOvr>
+    <a:masterClrMapping/>
+  </p:clrMapOvr>
+</p:notes>
+</file>
+
 <file path=ppt/slideLayouts/slideLayout1.xml><?xml version="1.0" encoding="utf-8"?>
 <p:sldLayout xmlns:a="http://schemas.openxmlformats.org/drawingml/2006/main" xmlns:r="http://schemas.openxmlformats.org/officeDocument/2006/relationships" xmlns:p="http://schemas.openxmlformats.org/presentationml/2006/main" type="title" preserve="1">
   <p:cSld name="Title Slide">
@@ -322,7 +769,7 @@
             <a:fld id="{B61BEF0D-F0BB-DE4B-95CE-6DB70DBA9567}" type="datetimeFigureOut">
               <a:rPr lang="en-US" dirty="0"/>
               <a:pPr/>
-              <a:t>3/23/2016</a:t>
+              <a:t>4/28/2016</a:t>
             </a:fld>
             <a:endParaRPr lang="en-US" dirty="0"/>
           </a:p>
@@ -657,7 +1104,7 @@
             <a:fld id="{B61BEF0D-F0BB-DE4B-95CE-6DB70DBA9567}" type="datetimeFigureOut">
               <a:rPr lang="en-US" dirty="0"/>
               <a:pPr/>
-              <a:t>3/23/2016</a:t>
+              <a:t>4/28/2016</a:t>
             </a:fld>
             <a:endParaRPr lang="en-US" dirty="0"/>
           </a:p>
@@ -1055,7 +1502,7 @@
             <a:fld id="{B61BEF0D-F0BB-DE4B-95CE-6DB70DBA9567}" type="datetimeFigureOut">
               <a:rPr lang="en-US" dirty="0"/>
               <a:pPr/>
-              <a:t>3/23/2016</a:t>
+              <a:t>4/28/2016</a:t>
             </a:fld>
             <a:endParaRPr lang="en-US" dirty="0"/>
           </a:p>
@@ -1388,7 +1835,7 @@
             <a:fld id="{B61BEF0D-F0BB-DE4B-95CE-6DB70DBA9567}" type="datetimeFigureOut">
               <a:rPr lang="en-US" dirty="0"/>
               <a:pPr/>
-              <a:t>3/23/2016</a:t>
+              <a:t>4/28/2016</a:t>
             </a:fld>
             <a:endParaRPr lang="en-US" dirty="0"/>
           </a:p>
@@ -1705,7 +2152,7 @@
             <a:fld id="{B61BEF0D-F0BB-DE4B-95CE-6DB70DBA9567}" type="datetimeFigureOut">
               <a:rPr lang="en-US" dirty="0"/>
               <a:pPr/>
-              <a:t>3/23/2016</a:t>
+              <a:t>4/28/2016</a:t>
             </a:fld>
             <a:endParaRPr lang="en-US" dirty="0"/>
           </a:p>
@@ -2098,7 +2545,7 @@
             <a:fld id="{B61BEF0D-F0BB-DE4B-95CE-6DB70DBA9567}" type="datetimeFigureOut">
               <a:rPr lang="en-US" dirty="0"/>
               <a:pPr/>
-              <a:t>3/23/2016</a:t>
+              <a:t>4/28/2016</a:t>
             </a:fld>
             <a:endParaRPr lang="en-US" dirty="0"/>
           </a:p>
@@ -2352,7 +2799,7 @@
             <a:fld id="{B61BEF0D-F0BB-DE4B-95CE-6DB70DBA9567}" type="datetimeFigureOut">
               <a:rPr lang="en-US" dirty="0"/>
               <a:pPr/>
-              <a:t>3/23/2016</a:t>
+              <a:t>4/28/2016</a:t>
             </a:fld>
             <a:endParaRPr lang="en-US" dirty="0"/>
           </a:p>
@@ -2611,7 +3058,7 @@
             <a:fld id="{B61BEF0D-F0BB-DE4B-95CE-6DB70DBA9567}" type="datetimeFigureOut">
               <a:rPr lang="en-US" dirty="0"/>
               <a:pPr/>
-              <a:t>3/23/2016</a:t>
+              <a:t>4/28/2016</a:t>
             </a:fld>
             <a:endParaRPr lang="en-US" dirty="0"/>
           </a:p>
@@ -2870,7 +3317,7 @@
             <a:fld id="{B61BEF0D-F0BB-DE4B-95CE-6DB70DBA9567}" type="datetimeFigureOut">
               <a:rPr lang="en-US" dirty="0"/>
               <a:pPr/>
-              <a:t>3/23/2016</a:t>
+              <a:t>4/28/2016</a:t>
             </a:fld>
             <a:endParaRPr lang="en-US" dirty="0"/>
           </a:p>
@@ -3196,7 +3643,7 @@
             <a:fld id="{B61BEF0D-F0BB-DE4B-95CE-6DB70DBA9567}" type="datetimeFigureOut">
               <a:rPr lang="en-US" dirty="0"/>
               <a:pPr/>
-              <a:t>3/23/2016</a:t>
+              <a:t>4/28/2016</a:t>
             </a:fld>
             <a:endParaRPr lang="en-US" dirty="0"/>
           </a:p>
@@ -3516,7 +3963,7 @@
             <a:fld id="{B61BEF0D-F0BB-DE4B-95CE-6DB70DBA9567}" type="datetimeFigureOut">
               <a:rPr lang="en-US" dirty="0"/>
               <a:pPr/>
-              <a:t>3/23/2016</a:t>
+              <a:t>4/28/2016</a:t>
             </a:fld>
             <a:endParaRPr lang="en-US" dirty="0"/>
           </a:p>
@@ -3970,7 +4417,7 @@
             <a:fld id="{B61BEF0D-F0BB-DE4B-95CE-6DB70DBA9567}" type="datetimeFigureOut">
               <a:rPr lang="en-US" dirty="0"/>
               <a:pPr/>
-              <a:t>3/23/2016</a:t>
+              <a:t>4/28/2016</a:t>
             </a:fld>
             <a:endParaRPr lang="en-US" dirty="0"/>
           </a:p>
@@ -4172,7 +4619,7 @@
             <a:fld id="{B61BEF0D-F0BB-DE4B-95CE-6DB70DBA9567}" type="datetimeFigureOut">
               <a:rPr lang="en-US" dirty="0"/>
               <a:pPr/>
-              <a:t>3/23/2016</a:t>
+              <a:t>4/28/2016</a:t>
             </a:fld>
             <a:endParaRPr lang="en-US" dirty="0"/>
           </a:p>
@@ -4346,7 +4793,7 @@
             <a:fld id="{B61BEF0D-F0BB-DE4B-95CE-6DB70DBA9567}" type="datetimeFigureOut">
               <a:rPr lang="en-US" dirty="0"/>
               <a:pPr/>
-              <a:t>3/23/2016</a:t>
+              <a:t>4/28/2016</a:t>
             </a:fld>
             <a:endParaRPr lang="en-US" dirty="0"/>
           </a:p>
@@ -4676,7 +5123,7 @@
             <a:fld id="{B61BEF0D-F0BB-DE4B-95CE-6DB70DBA9567}" type="datetimeFigureOut">
               <a:rPr lang="en-US" dirty="0"/>
               <a:pPr/>
-              <a:t>3/23/2016</a:t>
+              <a:t>4/28/2016</a:t>
             </a:fld>
             <a:endParaRPr lang="en-US" dirty="0"/>
           </a:p>
@@ -5018,7 +5465,7 @@
             <a:fld id="{B61BEF0D-F0BB-DE4B-95CE-6DB70DBA9567}" type="datetimeFigureOut">
               <a:rPr lang="en-US" dirty="0"/>
               <a:pPr/>
-              <a:t>3/23/2016</a:t>
+              <a:t>4/28/2016</a:t>
             </a:fld>
             <a:endParaRPr lang="en-US" dirty="0"/>
           </a:p>
@@ -7132,7 +7579,7 @@
             <a:fld id="{B61BEF0D-F0BB-DE4B-95CE-6DB70DBA9567}" type="datetimeFigureOut">
               <a:rPr lang="en-US" dirty="0"/>
               <a:pPr/>
-              <a:t>3/23/2016</a:t>
+              <a:t>4/28/2016</a:t>
             </a:fld>
             <a:endParaRPr lang="en-US" dirty="0"/>
           </a:p>
@@ -8773,18 +9220,7 @@
                 <a:ea typeface="Calibri" panose="020F0502020204030204" pitchFamily="34" charset="0"/>
                 <a:cs typeface="Times New Roman" panose="02020603050405020304" pitchFamily="18" charset="0"/>
               </a:rPr>
-              <a:t>II. </a:t>
-            </a:r>
-            <a:r>
-              <a:rPr lang="en-US" sz="2400" b="1" smtClean="0">
-                <a:solidFill>
-                  <a:srgbClr val="2F5496"/>
-                </a:solidFill>
-                <a:latin typeface="Times New Roman" panose="02020603050405020304" pitchFamily="18" charset="0"/>
-                <a:ea typeface="Calibri" panose="020F0502020204030204" pitchFamily="34" charset="0"/>
-                <a:cs typeface="Times New Roman" panose="02020603050405020304" pitchFamily="18" charset="0"/>
-              </a:rPr>
-              <a:t>Phân tích ca sử dụng</a:t>
+              <a:t>II. Phân tích ca sử dụng</a:t>
             </a:r>
             <a:endParaRPr lang="vi-VN" sz="2400">
               <a:effectLst/>
@@ -8935,18 +9371,7 @@
                 <a:ea typeface="Calibri" panose="020F0502020204030204" pitchFamily="34" charset="0"/>
                 <a:cs typeface="Times New Roman" panose="02020603050405020304" pitchFamily="18" charset="0"/>
               </a:rPr>
-              <a:t>II. </a:t>
-            </a:r>
-            <a:r>
-              <a:rPr lang="en-US" sz="2400" b="1" smtClean="0">
-                <a:solidFill>
-                  <a:srgbClr val="2F5496"/>
-                </a:solidFill>
-                <a:latin typeface="Times New Roman" panose="02020603050405020304" pitchFamily="18" charset="0"/>
-                <a:ea typeface="Calibri" panose="020F0502020204030204" pitchFamily="34" charset="0"/>
-                <a:cs typeface="Times New Roman" panose="02020603050405020304" pitchFamily="18" charset="0"/>
-              </a:rPr>
-              <a:t>Phân tích ca sử dụng</a:t>
+              <a:t>II. Phân tích ca sử dụng</a:t>
             </a:r>
             <a:endParaRPr lang="vi-VN" sz="2400">
               <a:effectLst/>
@@ -9097,18 +9522,7 @@
                 <a:ea typeface="Calibri" panose="020F0502020204030204" pitchFamily="34" charset="0"/>
                 <a:cs typeface="Times New Roman" panose="02020603050405020304" pitchFamily="18" charset="0"/>
               </a:rPr>
-              <a:t>II. </a:t>
-            </a:r>
-            <a:r>
-              <a:rPr lang="en-US" sz="2400" b="1" smtClean="0">
-                <a:solidFill>
-                  <a:srgbClr val="2F5496"/>
-                </a:solidFill>
-                <a:latin typeface="Times New Roman" panose="02020603050405020304" pitchFamily="18" charset="0"/>
-                <a:ea typeface="Calibri" panose="020F0502020204030204" pitchFamily="34" charset="0"/>
-                <a:cs typeface="Times New Roman" panose="02020603050405020304" pitchFamily="18" charset="0"/>
-              </a:rPr>
-              <a:t>Phân tích ca sử dụng</a:t>
+              <a:t>II. Phân tích ca sử dụng</a:t>
             </a:r>
             <a:endParaRPr lang="vi-VN" sz="2400">
               <a:effectLst/>
@@ -9259,18 +9673,7 @@
                 <a:ea typeface="Calibri" panose="020F0502020204030204" pitchFamily="34" charset="0"/>
                 <a:cs typeface="Times New Roman" panose="02020603050405020304" pitchFamily="18" charset="0"/>
               </a:rPr>
-              <a:t>II. </a:t>
-            </a:r>
-            <a:r>
-              <a:rPr lang="en-US" sz="2400" b="1" smtClean="0">
-                <a:solidFill>
-                  <a:srgbClr val="2F5496"/>
-                </a:solidFill>
-                <a:latin typeface="Times New Roman" panose="02020603050405020304" pitchFamily="18" charset="0"/>
-                <a:ea typeface="Calibri" panose="020F0502020204030204" pitchFamily="34" charset="0"/>
-                <a:cs typeface="Times New Roman" panose="02020603050405020304" pitchFamily="18" charset="0"/>
-              </a:rPr>
-              <a:t>Phân tích ca sử dụng</a:t>
+              <a:t>II. Phân tích ca sử dụng</a:t>
             </a:r>
             <a:endParaRPr lang="vi-VN" sz="2400">
               <a:effectLst/>
@@ -9421,18 +9824,7 @@
                 <a:ea typeface="Calibri" panose="020F0502020204030204" pitchFamily="34" charset="0"/>
                 <a:cs typeface="Times New Roman" panose="02020603050405020304" pitchFamily="18" charset="0"/>
               </a:rPr>
-              <a:t>II. </a:t>
-            </a:r>
-            <a:r>
-              <a:rPr lang="en-US" sz="2400" b="1" smtClean="0">
-                <a:solidFill>
-                  <a:srgbClr val="2F5496"/>
-                </a:solidFill>
-                <a:latin typeface="Times New Roman" panose="02020603050405020304" pitchFamily="18" charset="0"/>
-                <a:ea typeface="Calibri" panose="020F0502020204030204" pitchFamily="34" charset="0"/>
-                <a:cs typeface="Times New Roman" panose="02020603050405020304" pitchFamily="18" charset="0"/>
-              </a:rPr>
-              <a:t>Phân tích ca sử dụng</a:t>
+              <a:t>II. Phân tích ca sử dụng</a:t>
             </a:r>
             <a:endParaRPr lang="vi-VN" sz="2400">
               <a:effectLst/>
@@ -9583,18 +9975,7 @@
                 <a:ea typeface="Calibri" panose="020F0502020204030204" pitchFamily="34" charset="0"/>
                 <a:cs typeface="Times New Roman" panose="02020603050405020304" pitchFamily="18" charset="0"/>
               </a:rPr>
-              <a:t>II. </a:t>
-            </a:r>
-            <a:r>
-              <a:rPr lang="en-US" sz="2400" b="1" smtClean="0">
-                <a:solidFill>
-                  <a:srgbClr val="2F5496"/>
-                </a:solidFill>
-                <a:latin typeface="Times New Roman" panose="02020603050405020304" pitchFamily="18" charset="0"/>
-                <a:ea typeface="Calibri" panose="020F0502020204030204" pitchFamily="34" charset="0"/>
-                <a:cs typeface="Times New Roman" panose="02020603050405020304" pitchFamily="18" charset="0"/>
-              </a:rPr>
-              <a:t>Phân tích ca sử dụng</a:t>
+              <a:t>II. Phân tích ca sử dụng</a:t>
             </a:r>
             <a:endParaRPr lang="vi-VN" sz="2400">
               <a:effectLst/>
@@ -9745,18 +10126,7 @@
                 <a:ea typeface="Calibri" panose="020F0502020204030204" pitchFamily="34" charset="0"/>
                 <a:cs typeface="Times New Roman" panose="02020603050405020304" pitchFamily="18" charset="0"/>
               </a:rPr>
-              <a:t>II. </a:t>
-            </a:r>
-            <a:r>
-              <a:rPr lang="en-US" sz="2400" b="1" smtClean="0">
-                <a:solidFill>
-                  <a:srgbClr val="2F5496"/>
-                </a:solidFill>
-                <a:latin typeface="Times New Roman" panose="02020603050405020304" pitchFamily="18" charset="0"/>
-                <a:ea typeface="Calibri" panose="020F0502020204030204" pitchFamily="34" charset="0"/>
-                <a:cs typeface="Times New Roman" panose="02020603050405020304" pitchFamily="18" charset="0"/>
-              </a:rPr>
-              <a:t>Phân tích ca sử dụng</a:t>
+              <a:t>II. Phân tích ca sử dụng</a:t>
             </a:r>
             <a:endParaRPr lang="vi-VN" sz="2400">
               <a:effectLst/>
@@ -9907,18 +10277,7 @@
                 <a:ea typeface="Calibri" panose="020F0502020204030204" pitchFamily="34" charset="0"/>
                 <a:cs typeface="Times New Roman" panose="02020603050405020304" pitchFamily="18" charset="0"/>
               </a:rPr>
-              <a:t>II. </a:t>
-            </a:r>
-            <a:r>
-              <a:rPr lang="en-US" sz="2400" b="1" smtClean="0">
-                <a:solidFill>
-                  <a:srgbClr val="2F5496"/>
-                </a:solidFill>
-                <a:latin typeface="Times New Roman" panose="02020603050405020304" pitchFamily="18" charset="0"/>
-                <a:ea typeface="Calibri" panose="020F0502020204030204" pitchFamily="34" charset="0"/>
-                <a:cs typeface="Times New Roman" panose="02020603050405020304" pitchFamily="18" charset="0"/>
-              </a:rPr>
-              <a:t>Phân tích ca sử dụng</a:t>
+              <a:t>II. Phân tích ca sử dụng</a:t>
             </a:r>
             <a:endParaRPr lang="vi-VN" sz="2400">
               <a:effectLst/>
@@ -10284,18 +10643,7 @@
                 <a:ea typeface="Calibri" panose="020F0502020204030204" pitchFamily="34" charset="0"/>
                 <a:cs typeface="Times New Roman" panose="02020603050405020304" pitchFamily="18" charset="0"/>
               </a:rPr>
-              <a:t>II. </a:t>
-            </a:r>
-            <a:r>
-              <a:rPr lang="en-US" sz="2400" b="1" smtClean="0">
-                <a:solidFill>
-                  <a:srgbClr val="2F5496"/>
-                </a:solidFill>
-                <a:latin typeface="Times New Roman" panose="02020603050405020304" pitchFamily="18" charset="0"/>
-                <a:ea typeface="Calibri" panose="020F0502020204030204" pitchFamily="34" charset="0"/>
-                <a:cs typeface="Times New Roman" panose="02020603050405020304" pitchFamily="18" charset="0"/>
-              </a:rPr>
-              <a:t>Phân tích ca sử dụng</a:t>
+              <a:t>II. Phân tích ca sử dụng</a:t>
             </a:r>
             <a:endParaRPr lang="vi-VN" sz="2400">
               <a:effectLst/>
@@ -10446,18 +10794,7 @@
                 <a:ea typeface="Calibri" panose="020F0502020204030204" pitchFamily="34" charset="0"/>
                 <a:cs typeface="Times New Roman" panose="02020603050405020304" pitchFamily="18" charset="0"/>
               </a:rPr>
-              <a:t>II. </a:t>
-            </a:r>
-            <a:r>
-              <a:rPr lang="en-US" sz="2400" b="1" smtClean="0">
-                <a:solidFill>
-                  <a:srgbClr val="2F5496"/>
-                </a:solidFill>
-                <a:latin typeface="Times New Roman" panose="02020603050405020304" pitchFamily="18" charset="0"/>
-                <a:ea typeface="Calibri" panose="020F0502020204030204" pitchFamily="34" charset="0"/>
-                <a:cs typeface="Times New Roman" panose="02020603050405020304" pitchFamily="18" charset="0"/>
-              </a:rPr>
-              <a:t>Phân tích ca sử dụng</a:t>
+              <a:t>II. Phân tích ca sử dụng</a:t>
             </a:r>
             <a:endParaRPr lang="vi-VN" sz="2400">
               <a:effectLst/>
@@ -10608,18 +10945,7 @@
                 <a:ea typeface="Calibri" panose="020F0502020204030204" pitchFamily="34" charset="0"/>
                 <a:cs typeface="Times New Roman" panose="02020603050405020304" pitchFamily="18" charset="0"/>
               </a:rPr>
-              <a:t>II. </a:t>
-            </a:r>
-            <a:r>
-              <a:rPr lang="en-US" sz="2400" b="1" smtClean="0">
-                <a:solidFill>
-                  <a:srgbClr val="2F5496"/>
-                </a:solidFill>
-                <a:latin typeface="Times New Roman" panose="02020603050405020304" pitchFamily="18" charset="0"/>
-                <a:ea typeface="Calibri" panose="020F0502020204030204" pitchFamily="34" charset="0"/>
-                <a:cs typeface="Times New Roman" panose="02020603050405020304" pitchFamily="18" charset="0"/>
-              </a:rPr>
-              <a:t>Phân tích ca sử dụng</a:t>
+              <a:t>II. Phân tích ca sử dụng</a:t>
             </a:r>
             <a:endParaRPr lang="vi-VN" sz="2400">
               <a:effectLst/>
@@ -10715,6 +11041,2596 @@
 </p:sld>
 </file>
 
+<file path=ppt/slides/slide23.xml><?xml version="1.0" encoding="utf-8"?>
+<p:sld xmlns:a="http://schemas.openxmlformats.org/drawingml/2006/main" xmlns:r="http://schemas.openxmlformats.org/officeDocument/2006/relationships" xmlns:p="http://schemas.openxmlformats.org/presentationml/2006/main">
+  <p:cSld>
+    <p:spTree>
+      <p:nvGrpSpPr>
+        <p:cNvPr id="1" name=""/>
+        <p:cNvGrpSpPr/>
+        <p:nvPr/>
+      </p:nvGrpSpPr>
+      <p:grpSpPr>
+        <a:xfrm>
+          <a:off x="0" y="0"/>
+          <a:ext cx="0" cy="0"/>
+          <a:chOff x="0" y="0"/>
+          <a:chExt cx="0" cy="0"/>
+        </a:xfrm>
+      </p:grpSpPr>
+      <p:sp>
+        <p:nvSpPr>
+          <p:cNvPr id="5" name="Rectangle 4"/>
+          <p:cNvSpPr/>
+          <p:nvPr/>
+        </p:nvSpPr>
+        <p:spPr>
+          <a:xfrm>
+            <a:off x="2173905" y="840968"/>
+            <a:ext cx="2443298" cy="517065"/>
+          </a:xfrm>
+          <a:prstGeom prst="rect">
+            <a:avLst/>
+          </a:prstGeom>
+        </p:spPr>
+        <p:txBody>
+          <a:bodyPr wrap="none">
+            <a:spAutoFit/>
+          </a:bodyPr>
+          <a:lstStyle/>
+          <a:p>
+            <a:pPr lvl="0">
+              <a:lnSpc>
+                <a:spcPct val="115000"/>
+              </a:lnSpc>
+              <a:spcAft>
+                <a:spcPts val="1000"/>
+              </a:spcAft>
+            </a:pPr>
+            <a:r>
+              <a:rPr lang="en-US" sz="2400" b="1" smtClean="0">
+                <a:solidFill>
+                  <a:srgbClr val="2F5496"/>
+                </a:solidFill>
+                <a:latin typeface="Times New Roman" panose="02020603050405020304" pitchFamily="18" charset="0"/>
+                <a:ea typeface="Calibri" panose="020F0502020204030204" pitchFamily="34" charset="0"/>
+                <a:cs typeface="Times New Roman" panose="02020603050405020304" pitchFamily="18" charset="0"/>
+              </a:rPr>
+              <a:t>II. </a:t>
+            </a:r>
+            <a:r>
+              <a:rPr lang="en-US" sz="2400" b="1" smtClean="0">
+                <a:solidFill>
+                  <a:srgbClr val="2F5496"/>
+                </a:solidFill>
+                <a:latin typeface="Times New Roman" panose="02020603050405020304" pitchFamily="18" charset="0"/>
+                <a:ea typeface="Calibri" panose="020F0502020204030204" pitchFamily="34" charset="0"/>
+                <a:cs typeface="Times New Roman" panose="02020603050405020304" pitchFamily="18" charset="0"/>
+              </a:rPr>
+              <a:t>Lớp phân tích</a:t>
+            </a:r>
+            <a:endParaRPr lang="vi-VN" sz="2400">
+              <a:effectLst/>
+              <a:latin typeface="Calibri" panose="020F0502020204030204" pitchFamily="34" charset="0"/>
+              <a:ea typeface="Calibri" panose="020F0502020204030204" pitchFamily="34" charset="0"/>
+              <a:cs typeface="Times New Roman" panose="02020603050405020304" pitchFamily="18" charset="0"/>
+            </a:endParaRPr>
+          </a:p>
+        </p:txBody>
+      </p:sp>
+      <p:pic>
+        <p:nvPicPr>
+          <p:cNvPr id="6" name="Picture 5"/>
+          <p:cNvPicPr>
+            <a:picLocks noChangeAspect="1"/>
+          </p:cNvPicPr>
+          <p:nvPr/>
+        </p:nvPicPr>
+        <p:blipFill>
+          <a:blip r:embed="rId2">
+            <a:extLst>
+              <a:ext uri="{28A0092B-C50C-407E-A947-70E740481C1C}">
+                <a14:useLocalDpi xmlns:a14="http://schemas.microsoft.com/office/drawing/2010/main" val="0"/>
+              </a:ext>
+            </a:extLst>
+          </a:blip>
+          <a:stretch>
+            <a:fillRect/>
+          </a:stretch>
+        </p:blipFill>
+        <p:spPr>
+          <a:xfrm>
+            <a:off x="4384631" y="2015576"/>
+            <a:ext cx="2853296" cy="3007184"/>
+          </a:xfrm>
+          <a:prstGeom prst="rect">
+            <a:avLst/>
+          </a:prstGeom>
+        </p:spPr>
+      </p:pic>
+    </p:spTree>
+    <p:extLst>
+      <p:ext uri="{BB962C8B-B14F-4D97-AF65-F5344CB8AC3E}">
+        <p14:creationId xmlns:p14="http://schemas.microsoft.com/office/powerpoint/2010/main" val="4119314539"/>
+      </p:ext>
+    </p:extLst>
+  </p:cSld>
+  <p:clrMapOvr>
+    <a:masterClrMapping/>
+  </p:clrMapOvr>
+</p:sld>
+</file>
+
+<file path=ppt/slides/slide24.xml><?xml version="1.0" encoding="utf-8"?>
+<p:sld xmlns:a="http://schemas.openxmlformats.org/drawingml/2006/main" xmlns:r="http://schemas.openxmlformats.org/officeDocument/2006/relationships" xmlns:p="http://schemas.openxmlformats.org/presentationml/2006/main">
+  <p:cSld>
+    <p:spTree>
+      <p:nvGrpSpPr>
+        <p:cNvPr id="1" name=""/>
+        <p:cNvGrpSpPr/>
+        <p:nvPr/>
+      </p:nvGrpSpPr>
+      <p:grpSpPr>
+        <a:xfrm>
+          <a:off x="0" y="0"/>
+          <a:ext cx="0" cy="0"/>
+          <a:chOff x="0" y="0"/>
+          <a:chExt cx="0" cy="0"/>
+        </a:xfrm>
+      </p:grpSpPr>
+      <p:sp>
+        <p:nvSpPr>
+          <p:cNvPr id="5" name="Rectangle 4"/>
+          <p:cNvSpPr/>
+          <p:nvPr/>
+        </p:nvSpPr>
+        <p:spPr>
+          <a:xfrm>
+            <a:off x="2173905" y="840968"/>
+            <a:ext cx="2443298" cy="517065"/>
+          </a:xfrm>
+          <a:prstGeom prst="rect">
+            <a:avLst/>
+          </a:prstGeom>
+        </p:spPr>
+        <p:txBody>
+          <a:bodyPr wrap="none">
+            <a:spAutoFit/>
+          </a:bodyPr>
+          <a:lstStyle/>
+          <a:p>
+            <a:pPr lvl="0">
+              <a:lnSpc>
+                <a:spcPct val="115000"/>
+              </a:lnSpc>
+              <a:spcAft>
+                <a:spcPts val="1000"/>
+              </a:spcAft>
+            </a:pPr>
+            <a:r>
+              <a:rPr lang="en-US" sz="2400" b="1" smtClean="0">
+                <a:solidFill>
+                  <a:srgbClr val="2F5496"/>
+                </a:solidFill>
+                <a:latin typeface="Times New Roman" panose="02020603050405020304" pitchFamily="18" charset="0"/>
+                <a:ea typeface="Calibri" panose="020F0502020204030204" pitchFamily="34" charset="0"/>
+                <a:cs typeface="Times New Roman" panose="02020603050405020304" pitchFamily="18" charset="0"/>
+              </a:rPr>
+              <a:t>II. </a:t>
+            </a:r>
+            <a:r>
+              <a:rPr lang="en-US" sz="2400" b="1" smtClean="0">
+                <a:solidFill>
+                  <a:srgbClr val="2F5496"/>
+                </a:solidFill>
+                <a:latin typeface="Times New Roman" panose="02020603050405020304" pitchFamily="18" charset="0"/>
+                <a:ea typeface="Calibri" panose="020F0502020204030204" pitchFamily="34" charset="0"/>
+                <a:cs typeface="Times New Roman" panose="02020603050405020304" pitchFamily="18" charset="0"/>
+              </a:rPr>
+              <a:t>Lớp phân tích</a:t>
+            </a:r>
+            <a:endParaRPr lang="vi-VN" sz="2400">
+              <a:effectLst/>
+              <a:latin typeface="Calibri" panose="020F0502020204030204" pitchFamily="34" charset="0"/>
+              <a:ea typeface="Calibri" panose="020F0502020204030204" pitchFamily="34" charset="0"/>
+              <a:cs typeface="Times New Roman" panose="02020603050405020304" pitchFamily="18" charset="0"/>
+            </a:endParaRPr>
+          </a:p>
+        </p:txBody>
+      </p:sp>
+      <p:pic>
+        <p:nvPicPr>
+          <p:cNvPr id="2" name="Picture 1"/>
+          <p:cNvPicPr>
+            <a:picLocks noChangeAspect="1"/>
+          </p:cNvPicPr>
+          <p:nvPr/>
+        </p:nvPicPr>
+        <p:blipFill>
+          <a:blip r:embed="rId2">
+            <a:extLst>
+              <a:ext uri="{28A0092B-C50C-407E-A947-70E740481C1C}">
+                <a14:useLocalDpi xmlns:a14="http://schemas.microsoft.com/office/drawing/2010/main" val="0"/>
+              </a:ext>
+            </a:extLst>
+          </a:blip>
+          <a:stretch>
+            <a:fillRect/>
+          </a:stretch>
+        </p:blipFill>
+        <p:spPr>
+          <a:xfrm>
+            <a:off x="4185633" y="1525459"/>
+            <a:ext cx="3116688" cy="5032228"/>
+          </a:xfrm>
+          <a:prstGeom prst="rect">
+            <a:avLst/>
+          </a:prstGeom>
+        </p:spPr>
+      </p:pic>
+    </p:spTree>
+    <p:extLst>
+      <p:ext uri="{BB962C8B-B14F-4D97-AF65-F5344CB8AC3E}">
+        <p14:creationId xmlns:p14="http://schemas.microsoft.com/office/powerpoint/2010/main" val="224742716"/>
+      </p:ext>
+    </p:extLst>
+  </p:cSld>
+  <p:clrMapOvr>
+    <a:masterClrMapping/>
+  </p:clrMapOvr>
+</p:sld>
+</file>
+
+<file path=ppt/slides/slide25.xml><?xml version="1.0" encoding="utf-8"?>
+<p:sld xmlns:a="http://schemas.openxmlformats.org/drawingml/2006/main" xmlns:r="http://schemas.openxmlformats.org/officeDocument/2006/relationships" xmlns:p="http://schemas.openxmlformats.org/presentationml/2006/main">
+  <p:cSld>
+    <p:spTree>
+      <p:nvGrpSpPr>
+        <p:cNvPr id="1" name=""/>
+        <p:cNvGrpSpPr/>
+        <p:nvPr/>
+      </p:nvGrpSpPr>
+      <p:grpSpPr>
+        <a:xfrm>
+          <a:off x="0" y="0"/>
+          <a:ext cx="0" cy="0"/>
+          <a:chOff x="0" y="0"/>
+          <a:chExt cx="0" cy="0"/>
+        </a:xfrm>
+      </p:grpSpPr>
+      <p:sp>
+        <p:nvSpPr>
+          <p:cNvPr id="5" name="Rectangle 4"/>
+          <p:cNvSpPr/>
+          <p:nvPr/>
+        </p:nvSpPr>
+        <p:spPr>
+          <a:xfrm>
+            <a:off x="2173905" y="840968"/>
+            <a:ext cx="2443298" cy="517065"/>
+          </a:xfrm>
+          <a:prstGeom prst="rect">
+            <a:avLst/>
+          </a:prstGeom>
+        </p:spPr>
+        <p:txBody>
+          <a:bodyPr wrap="none">
+            <a:spAutoFit/>
+          </a:bodyPr>
+          <a:lstStyle/>
+          <a:p>
+            <a:pPr lvl="0">
+              <a:lnSpc>
+                <a:spcPct val="115000"/>
+              </a:lnSpc>
+              <a:spcAft>
+                <a:spcPts val="1000"/>
+              </a:spcAft>
+            </a:pPr>
+            <a:r>
+              <a:rPr lang="en-US" sz="2400" b="1" smtClean="0">
+                <a:solidFill>
+                  <a:srgbClr val="2F5496"/>
+                </a:solidFill>
+                <a:latin typeface="Times New Roman" panose="02020603050405020304" pitchFamily="18" charset="0"/>
+                <a:ea typeface="Calibri" panose="020F0502020204030204" pitchFamily="34" charset="0"/>
+                <a:cs typeface="Times New Roman" panose="02020603050405020304" pitchFamily="18" charset="0"/>
+              </a:rPr>
+              <a:t>II. </a:t>
+            </a:r>
+            <a:r>
+              <a:rPr lang="en-US" sz="2400" b="1" smtClean="0">
+                <a:solidFill>
+                  <a:srgbClr val="2F5496"/>
+                </a:solidFill>
+                <a:latin typeface="Times New Roman" panose="02020603050405020304" pitchFamily="18" charset="0"/>
+                <a:ea typeface="Calibri" panose="020F0502020204030204" pitchFamily="34" charset="0"/>
+                <a:cs typeface="Times New Roman" panose="02020603050405020304" pitchFamily="18" charset="0"/>
+              </a:rPr>
+              <a:t>Lớp phân tích</a:t>
+            </a:r>
+            <a:endParaRPr lang="vi-VN" sz="2400">
+              <a:effectLst/>
+              <a:latin typeface="Calibri" panose="020F0502020204030204" pitchFamily="34" charset="0"/>
+              <a:ea typeface="Calibri" panose="020F0502020204030204" pitchFamily="34" charset="0"/>
+              <a:cs typeface="Times New Roman" panose="02020603050405020304" pitchFamily="18" charset="0"/>
+            </a:endParaRPr>
+          </a:p>
+        </p:txBody>
+      </p:sp>
+      <p:pic>
+        <p:nvPicPr>
+          <p:cNvPr id="3" name="Picture 2"/>
+          <p:cNvPicPr>
+            <a:picLocks noChangeAspect="1"/>
+          </p:cNvPicPr>
+          <p:nvPr/>
+        </p:nvPicPr>
+        <p:blipFill>
+          <a:blip r:embed="rId2">
+            <a:extLst>
+              <a:ext uri="{28A0092B-C50C-407E-A947-70E740481C1C}">
+                <a14:useLocalDpi xmlns:a14="http://schemas.microsoft.com/office/drawing/2010/main" val="0"/>
+              </a:ext>
+            </a:extLst>
+          </a:blip>
+          <a:stretch>
+            <a:fillRect/>
+          </a:stretch>
+        </p:blipFill>
+        <p:spPr>
+          <a:xfrm>
+            <a:off x="2054421" y="1707455"/>
+            <a:ext cx="2350154" cy="1847114"/>
+          </a:xfrm>
+          <a:prstGeom prst="rect">
+            <a:avLst/>
+          </a:prstGeom>
+        </p:spPr>
+      </p:pic>
+      <p:pic>
+        <p:nvPicPr>
+          <p:cNvPr id="4" name="Picture 3"/>
+          <p:cNvPicPr>
+            <a:picLocks noChangeAspect="1"/>
+          </p:cNvPicPr>
+          <p:nvPr/>
+        </p:nvPicPr>
+        <p:blipFill>
+          <a:blip r:embed="rId3">
+            <a:extLst>
+              <a:ext uri="{28A0092B-C50C-407E-A947-70E740481C1C}">
+                <a14:useLocalDpi xmlns:a14="http://schemas.microsoft.com/office/drawing/2010/main" val="0"/>
+              </a:ext>
+            </a:extLst>
+          </a:blip>
+          <a:stretch>
+            <a:fillRect/>
+          </a:stretch>
+        </p:blipFill>
+        <p:spPr>
+          <a:xfrm>
+            <a:off x="8766220" y="4452819"/>
+            <a:ext cx="1974760" cy="1316916"/>
+          </a:xfrm>
+          <a:prstGeom prst="rect">
+            <a:avLst/>
+          </a:prstGeom>
+        </p:spPr>
+      </p:pic>
+      <p:pic>
+        <p:nvPicPr>
+          <p:cNvPr id="6" name="Picture 5"/>
+          <p:cNvPicPr>
+            <a:picLocks noChangeAspect="1"/>
+          </p:cNvPicPr>
+          <p:nvPr/>
+        </p:nvPicPr>
+        <p:blipFill>
+          <a:blip r:embed="rId4">
+            <a:extLst>
+              <a:ext uri="{28A0092B-C50C-407E-A947-70E740481C1C}">
+                <a14:useLocalDpi xmlns:a14="http://schemas.microsoft.com/office/drawing/2010/main" val="0"/>
+              </a:ext>
+            </a:extLst>
+          </a:blip>
+          <a:stretch>
+            <a:fillRect/>
+          </a:stretch>
+        </p:blipFill>
+        <p:spPr>
+          <a:xfrm>
+            <a:off x="6347172" y="1621236"/>
+            <a:ext cx="3002890" cy="2654550"/>
+          </a:xfrm>
+          <a:prstGeom prst="rect">
+            <a:avLst/>
+          </a:prstGeom>
+        </p:spPr>
+      </p:pic>
+      <p:pic>
+        <p:nvPicPr>
+          <p:cNvPr id="7" name="Picture 6"/>
+          <p:cNvPicPr>
+            <a:picLocks noChangeAspect="1"/>
+          </p:cNvPicPr>
+          <p:nvPr/>
+        </p:nvPicPr>
+        <p:blipFill>
+          <a:blip r:embed="rId2">
+            <a:extLst>
+              <a:ext uri="{28A0092B-C50C-407E-A947-70E740481C1C}">
+                <a14:useLocalDpi xmlns:a14="http://schemas.microsoft.com/office/drawing/2010/main" val="0"/>
+              </a:ext>
+            </a:extLst>
+          </a:blip>
+          <a:stretch>
+            <a:fillRect/>
+          </a:stretch>
+        </p:blipFill>
+        <p:spPr>
+          <a:xfrm>
+            <a:off x="6216682" y="4452819"/>
+            <a:ext cx="2128828" cy="1638888"/>
+          </a:xfrm>
+          <a:prstGeom prst="rect">
+            <a:avLst/>
+          </a:prstGeom>
+        </p:spPr>
+      </p:pic>
+      <p:pic>
+        <p:nvPicPr>
+          <p:cNvPr id="8" name="Picture 7"/>
+          <p:cNvPicPr>
+            <a:picLocks noChangeAspect="1"/>
+          </p:cNvPicPr>
+          <p:nvPr/>
+        </p:nvPicPr>
+        <p:blipFill>
+          <a:blip r:embed="rId5">
+            <a:extLst>
+              <a:ext uri="{28A0092B-C50C-407E-A947-70E740481C1C}">
+                <a14:useLocalDpi xmlns:a14="http://schemas.microsoft.com/office/drawing/2010/main" val="0"/>
+              </a:ext>
+            </a:extLst>
+          </a:blip>
+          <a:stretch>
+            <a:fillRect/>
+          </a:stretch>
+        </p:blipFill>
+        <p:spPr>
+          <a:xfrm>
+            <a:off x="2771321" y="4452818"/>
+            <a:ext cx="2251440" cy="2089649"/>
+          </a:xfrm>
+          <a:prstGeom prst="rect">
+            <a:avLst/>
+          </a:prstGeom>
+        </p:spPr>
+      </p:pic>
+    </p:spTree>
+    <p:extLst>
+      <p:ext uri="{BB962C8B-B14F-4D97-AF65-F5344CB8AC3E}">
+        <p14:creationId xmlns:p14="http://schemas.microsoft.com/office/powerpoint/2010/main" val="2052178117"/>
+      </p:ext>
+    </p:extLst>
+  </p:cSld>
+  <p:clrMapOvr>
+    <a:masterClrMapping/>
+  </p:clrMapOvr>
+</p:sld>
+</file>
+
+<file path=ppt/slides/slide26.xml><?xml version="1.0" encoding="utf-8"?>
+<p:sld xmlns:a="http://schemas.openxmlformats.org/drawingml/2006/main" xmlns:r="http://schemas.openxmlformats.org/officeDocument/2006/relationships" xmlns:p="http://schemas.openxmlformats.org/presentationml/2006/main">
+  <p:cSld>
+    <p:spTree>
+      <p:nvGrpSpPr>
+        <p:cNvPr id="1" name=""/>
+        <p:cNvGrpSpPr/>
+        <p:nvPr/>
+      </p:nvGrpSpPr>
+      <p:grpSpPr>
+        <a:xfrm>
+          <a:off x="0" y="0"/>
+          <a:ext cx="0" cy="0"/>
+          <a:chOff x="0" y="0"/>
+          <a:chExt cx="0" cy="0"/>
+        </a:xfrm>
+      </p:grpSpPr>
+      <p:sp>
+        <p:nvSpPr>
+          <p:cNvPr id="5" name="Rectangle 4"/>
+          <p:cNvSpPr/>
+          <p:nvPr/>
+        </p:nvSpPr>
+        <p:spPr>
+          <a:xfrm>
+            <a:off x="2173905" y="840968"/>
+            <a:ext cx="2443298" cy="517065"/>
+          </a:xfrm>
+          <a:prstGeom prst="rect">
+            <a:avLst/>
+          </a:prstGeom>
+        </p:spPr>
+        <p:txBody>
+          <a:bodyPr wrap="none">
+            <a:spAutoFit/>
+          </a:bodyPr>
+          <a:lstStyle/>
+          <a:p>
+            <a:pPr lvl="0">
+              <a:lnSpc>
+                <a:spcPct val="115000"/>
+              </a:lnSpc>
+              <a:spcAft>
+                <a:spcPts val="1000"/>
+              </a:spcAft>
+            </a:pPr>
+            <a:r>
+              <a:rPr lang="en-US" sz="2400" b="1" smtClean="0">
+                <a:solidFill>
+                  <a:srgbClr val="2F5496"/>
+                </a:solidFill>
+                <a:latin typeface="Times New Roman" panose="02020603050405020304" pitchFamily="18" charset="0"/>
+                <a:ea typeface="Calibri" panose="020F0502020204030204" pitchFamily="34" charset="0"/>
+                <a:cs typeface="Times New Roman" panose="02020603050405020304" pitchFamily="18" charset="0"/>
+              </a:rPr>
+              <a:t>II. </a:t>
+            </a:r>
+            <a:r>
+              <a:rPr lang="en-US" sz="2400" b="1" smtClean="0">
+                <a:solidFill>
+                  <a:srgbClr val="2F5496"/>
+                </a:solidFill>
+                <a:latin typeface="Times New Roman" panose="02020603050405020304" pitchFamily="18" charset="0"/>
+                <a:ea typeface="Calibri" panose="020F0502020204030204" pitchFamily="34" charset="0"/>
+                <a:cs typeface="Times New Roman" panose="02020603050405020304" pitchFamily="18" charset="0"/>
+              </a:rPr>
+              <a:t>Lớp phân tích</a:t>
+            </a:r>
+            <a:endParaRPr lang="vi-VN" sz="2400">
+              <a:effectLst/>
+              <a:latin typeface="Calibri" panose="020F0502020204030204" pitchFamily="34" charset="0"/>
+              <a:ea typeface="Calibri" panose="020F0502020204030204" pitchFamily="34" charset="0"/>
+              <a:cs typeface="Times New Roman" panose="02020603050405020304" pitchFamily="18" charset="0"/>
+            </a:endParaRPr>
+          </a:p>
+        </p:txBody>
+      </p:sp>
+      <p:pic>
+        <p:nvPicPr>
+          <p:cNvPr id="6" name="Picture 5"/>
+          <p:cNvPicPr>
+            <a:picLocks noChangeAspect="1"/>
+          </p:cNvPicPr>
+          <p:nvPr/>
+        </p:nvPicPr>
+        <p:blipFill>
+          <a:blip r:embed="rId2">
+            <a:extLst>
+              <a:ext uri="{28A0092B-C50C-407E-A947-70E740481C1C}">
+                <a14:useLocalDpi xmlns:a14="http://schemas.microsoft.com/office/drawing/2010/main" val="0"/>
+              </a:ext>
+            </a:extLst>
+          </a:blip>
+          <a:stretch>
+            <a:fillRect/>
+          </a:stretch>
+        </p:blipFill>
+        <p:spPr>
+          <a:xfrm>
+            <a:off x="1599145" y="1838744"/>
+            <a:ext cx="10058400" cy="4169285"/>
+          </a:xfrm>
+          <a:prstGeom prst="rect">
+            <a:avLst/>
+          </a:prstGeom>
+        </p:spPr>
+      </p:pic>
+    </p:spTree>
+    <p:extLst>
+      <p:ext uri="{BB962C8B-B14F-4D97-AF65-F5344CB8AC3E}">
+        <p14:creationId xmlns:p14="http://schemas.microsoft.com/office/powerpoint/2010/main" val="3944028848"/>
+      </p:ext>
+    </p:extLst>
+  </p:cSld>
+  <p:clrMapOvr>
+    <a:masterClrMapping/>
+  </p:clrMapOvr>
+</p:sld>
+</file>
+
+<file path=ppt/slides/slide27.xml><?xml version="1.0" encoding="utf-8"?>
+<p:sld xmlns:a="http://schemas.openxmlformats.org/drawingml/2006/main" xmlns:r="http://schemas.openxmlformats.org/officeDocument/2006/relationships" xmlns:p="http://schemas.openxmlformats.org/presentationml/2006/main">
+  <p:cSld>
+    <p:spTree>
+      <p:nvGrpSpPr>
+        <p:cNvPr id="1" name=""/>
+        <p:cNvGrpSpPr/>
+        <p:nvPr/>
+      </p:nvGrpSpPr>
+      <p:grpSpPr>
+        <a:xfrm>
+          <a:off x="0" y="0"/>
+          <a:ext cx="0" cy="0"/>
+          <a:chOff x="0" y="0"/>
+          <a:chExt cx="0" cy="0"/>
+        </a:xfrm>
+      </p:grpSpPr>
+      <p:sp>
+        <p:nvSpPr>
+          <p:cNvPr id="2" name="TextBox 1"/>
+          <p:cNvSpPr txBox="1"/>
+          <p:nvPr/>
+        </p:nvSpPr>
+        <p:spPr>
+          <a:xfrm>
+            <a:off x="2081338" y="1389542"/>
+            <a:ext cx="9505355" cy="4247317"/>
+          </a:xfrm>
+          <a:prstGeom prst="rect">
+            <a:avLst/>
+          </a:prstGeom>
+          <a:noFill/>
+        </p:spPr>
+        <p:txBody>
+          <a:bodyPr wrap="square" rtlCol="0">
+            <a:spAutoFit/>
+          </a:bodyPr>
+          <a:lstStyle/>
+          <a:p>
+            <a:pPr>
+              <a:lnSpc>
+                <a:spcPct val="150000"/>
+              </a:lnSpc>
+            </a:pPr>
+            <a:r>
+              <a:rPr lang="en-US" dirty="0" smtClean="0">
+                <a:solidFill>
+                  <a:srgbClr val="0070C0"/>
+                </a:solidFill>
+                <a:latin typeface="Times New Roman" panose="02020603050405020304" pitchFamily="18" charset="0"/>
+                <a:cs typeface="Times New Roman" panose="02020603050405020304" pitchFamily="18" charset="0"/>
+              </a:rPr>
+              <a:t>QUẢN LÝ NHÂN VIÊN</a:t>
+            </a:r>
+          </a:p>
+          <a:p>
+            <a:pPr>
+              <a:lnSpc>
+                <a:spcPct val="150000"/>
+              </a:lnSpc>
+            </a:pPr>
+            <a:r>
+              <a:rPr lang="en-US" dirty="0">
+                <a:solidFill>
+                  <a:srgbClr val="0070C0"/>
+                </a:solidFill>
+                <a:latin typeface="Times New Roman" panose="02020603050405020304" pitchFamily="18" charset="0"/>
+                <a:cs typeface="Times New Roman" panose="02020603050405020304" pitchFamily="18" charset="0"/>
+              </a:rPr>
+              <a:t>	</a:t>
+            </a:r>
+            <a:r>
+              <a:rPr lang="en-US" dirty="0" err="1" smtClean="0">
+                <a:latin typeface="Times New Roman" panose="02020603050405020304" pitchFamily="18" charset="0"/>
+                <a:cs typeface="Times New Roman" panose="02020603050405020304" pitchFamily="18" charset="0"/>
+              </a:rPr>
+              <a:t>Chức</a:t>
+            </a:r>
+            <a:r>
+              <a:rPr lang="en-US" dirty="0" smtClean="0">
+                <a:latin typeface="Times New Roman" panose="02020603050405020304" pitchFamily="18" charset="0"/>
+                <a:cs typeface="Times New Roman" panose="02020603050405020304" pitchFamily="18" charset="0"/>
+              </a:rPr>
+              <a:t> </a:t>
+            </a:r>
+            <a:r>
+              <a:rPr lang="en-US" dirty="0" err="1">
+                <a:latin typeface="Times New Roman" panose="02020603050405020304" pitchFamily="18" charset="0"/>
+                <a:cs typeface="Times New Roman" panose="02020603050405020304" pitchFamily="18" charset="0"/>
+              </a:rPr>
+              <a:t>năng</a:t>
+            </a:r>
+            <a:r>
+              <a:rPr lang="en-US" dirty="0">
+                <a:latin typeface="Times New Roman" panose="02020603050405020304" pitchFamily="18" charset="0"/>
+                <a:cs typeface="Times New Roman" panose="02020603050405020304" pitchFamily="18" charset="0"/>
+              </a:rPr>
+              <a:t> </a:t>
+            </a:r>
+            <a:r>
+              <a:rPr lang="en-US" dirty="0" err="1">
+                <a:latin typeface="Times New Roman" panose="02020603050405020304" pitchFamily="18" charset="0"/>
+                <a:cs typeface="Times New Roman" panose="02020603050405020304" pitchFamily="18" charset="0"/>
+              </a:rPr>
+              <a:t>này</a:t>
+            </a:r>
+            <a:r>
+              <a:rPr lang="en-US" dirty="0">
+                <a:latin typeface="Times New Roman" panose="02020603050405020304" pitchFamily="18" charset="0"/>
+                <a:cs typeface="Times New Roman" panose="02020603050405020304" pitchFamily="18" charset="0"/>
+              </a:rPr>
+              <a:t> </a:t>
+            </a:r>
+            <a:r>
+              <a:rPr lang="en-US" dirty="0" err="1">
+                <a:latin typeface="Times New Roman" panose="02020603050405020304" pitchFamily="18" charset="0"/>
+                <a:cs typeface="Times New Roman" panose="02020603050405020304" pitchFamily="18" charset="0"/>
+              </a:rPr>
+              <a:t>bắt</a:t>
+            </a:r>
+            <a:r>
+              <a:rPr lang="en-US" dirty="0">
+                <a:latin typeface="Times New Roman" panose="02020603050405020304" pitchFamily="18" charset="0"/>
+                <a:cs typeface="Times New Roman" panose="02020603050405020304" pitchFamily="18" charset="0"/>
+              </a:rPr>
+              <a:t> </a:t>
+            </a:r>
+            <a:r>
+              <a:rPr lang="en-US" dirty="0" err="1">
+                <a:latin typeface="Times New Roman" panose="02020603050405020304" pitchFamily="18" charset="0"/>
+                <a:cs typeface="Times New Roman" panose="02020603050405020304" pitchFamily="18" charset="0"/>
+              </a:rPr>
+              <a:t>đầu</a:t>
+            </a:r>
+            <a:r>
+              <a:rPr lang="en-US" dirty="0">
+                <a:latin typeface="Times New Roman" panose="02020603050405020304" pitchFamily="18" charset="0"/>
+                <a:cs typeface="Times New Roman" panose="02020603050405020304" pitchFamily="18" charset="0"/>
+              </a:rPr>
+              <a:t> </a:t>
+            </a:r>
+            <a:r>
+              <a:rPr lang="en-US" err="1">
+                <a:latin typeface="Times New Roman" panose="02020603050405020304" pitchFamily="18" charset="0"/>
+                <a:cs typeface="Times New Roman" panose="02020603050405020304" pitchFamily="18" charset="0"/>
+              </a:rPr>
+              <a:t>khi</a:t>
+            </a:r>
+            <a:r>
+              <a:rPr lang="en-US">
+                <a:latin typeface="Times New Roman" panose="02020603050405020304" pitchFamily="18" charset="0"/>
+                <a:cs typeface="Times New Roman" panose="02020603050405020304" pitchFamily="18" charset="0"/>
+              </a:rPr>
+              <a:t> </a:t>
+            </a:r>
+            <a:r>
+              <a:rPr lang="en-US" smtClean="0">
+                <a:latin typeface="Times New Roman" panose="02020603050405020304" pitchFamily="18" charset="0"/>
+                <a:cs typeface="Times New Roman" panose="02020603050405020304" pitchFamily="18" charset="0"/>
+              </a:rPr>
+              <a:t>Quản trị viên</a:t>
+            </a:r>
+            <a:r>
+              <a:rPr lang="en-US" smtClean="0">
+                <a:latin typeface="Times New Roman" panose="02020603050405020304" pitchFamily="18" charset="0"/>
+                <a:cs typeface="Times New Roman" panose="02020603050405020304" pitchFamily="18" charset="0"/>
+              </a:rPr>
+              <a:t> </a:t>
+            </a:r>
+            <a:r>
+              <a:rPr lang="en-US" dirty="0" err="1">
+                <a:latin typeface="Times New Roman" panose="02020603050405020304" pitchFamily="18" charset="0"/>
+                <a:cs typeface="Times New Roman" panose="02020603050405020304" pitchFamily="18" charset="0"/>
+              </a:rPr>
+              <a:t>muốn</a:t>
+            </a:r>
+            <a:r>
+              <a:rPr lang="en-US" dirty="0">
+                <a:latin typeface="Times New Roman" panose="02020603050405020304" pitchFamily="18" charset="0"/>
+                <a:cs typeface="Times New Roman" panose="02020603050405020304" pitchFamily="18" charset="0"/>
+              </a:rPr>
+              <a:t> </a:t>
+            </a:r>
+            <a:r>
+              <a:rPr lang="en-US" dirty="0" err="1">
+                <a:latin typeface="Times New Roman" panose="02020603050405020304" pitchFamily="18" charset="0"/>
+                <a:cs typeface="Times New Roman" panose="02020603050405020304" pitchFamily="18" charset="0"/>
+              </a:rPr>
+              <a:t>Liệt</a:t>
+            </a:r>
+            <a:r>
+              <a:rPr lang="en-US" dirty="0">
+                <a:latin typeface="Times New Roman" panose="02020603050405020304" pitchFamily="18" charset="0"/>
+                <a:cs typeface="Times New Roman" panose="02020603050405020304" pitchFamily="18" charset="0"/>
+              </a:rPr>
+              <a:t> </a:t>
+            </a:r>
+            <a:r>
+              <a:rPr lang="en-US" dirty="0" err="1">
+                <a:latin typeface="Times New Roman" panose="02020603050405020304" pitchFamily="18" charset="0"/>
+                <a:cs typeface="Times New Roman" panose="02020603050405020304" pitchFamily="18" charset="0"/>
+              </a:rPr>
+              <a:t>kê</a:t>
+            </a:r>
+            <a:r>
+              <a:rPr lang="en-US" dirty="0">
+                <a:latin typeface="Times New Roman" panose="02020603050405020304" pitchFamily="18" charset="0"/>
+                <a:cs typeface="Times New Roman" panose="02020603050405020304" pitchFamily="18" charset="0"/>
+              </a:rPr>
+              <a:t>, </a:t>
+            </a:r>
+            <a:r>
+              <a:rPr lang="en-US" dirty="0" err="1">
+                <a:latin typeface="Times New Roman" panose="02020603050405020304" pitchFamily="18" charset="0"/>
+                <a:cs typeface="Times New Roman" panose="02020603050405020304" pitchFamily="18" charset="0"/>
+              </a:rPr>
+              <a:t>Thêm</a:t>
+            </a:r>
+            <a:r>
+              <a:rPr lang="en-US" dirty="0">
+                <a:latin typeface="Times New Roman" panose="02020603050405020304" pitchFamily="18" charset="0"/>
+                <a:cs typeface="Times New Roman" panose="02020603050405020304" pitchFamily="18" charset="0"/>
+              </a:rPr>
+              <a:t> </a:t>
+            </a:r>
+            <a:r>
+              <a:rPr lang="en-US" dirty="0" err="1">
+                <a:latin typeface="Times New Roman" panose="02020603050405020304" pitchFamily="18" charset="0"/>
+                <a:cs typeface="Times New Roman" panose="02020603050405020304" pitchFamily="18" charset="0"/>
+              </a:rPr>
+              <a:t>mới</a:t>
+            </a:r>
+            <a:r>
+              <a:rPr lang="en-US" dirty="0">
+                <a:latin typeface="Times New Roman" panose="02020603050405020304" pitchFamily="18" charset="0"/>
+                <a:cs typeface="Times New Roman" panose="02020603050405020304" pitchFamily="18" charset="0"/>
+              </a:rPr>
+              <a:t>, </a:t>
+            </a:r>
+            <a:r>
+              <a:rPr lang="en-US" dirty="0" err="1">
+                <a:latin typeface="Times New Roman" panose="02020603050405020304" pitchFamily="18" charset="0"/>
+                <a:cs typeface="Times New Roman" panose="02020603050405020304" pitchFamily="18" charset="0"/>
+              </a:rPr>
+              <a:t>Xóa</a:t>
+            </a:r>
+            <a:r>
+              <a:rPr lang="en-US" dirty="0">
+                <a:latin typeface="Times New Roman" panose="02020603050405020304" pitchFamily="18" charset="0"/>
+                <a:cs typeface="Times New Roman" panose="02020603050405020304" pitchFamily="18" charset="0"/>
+              </a:rPr>
+              <a:t> hay </a:t>
+            </a:r>
+            <a:r>
+              <a:rPr lang="en-US" dirty="0" err="1">
+                <a:latin typeface="Times New Roman" panose="02020603050405020304" pitchFamily="18" charset="0"/>
+                <a:cs typeface="Times New Roman" panose="02020603050405020304" pitchFamily="18" charset="0"/>
+              </a:rPr>
+              <a:t>Cập</a:t>
+            </a:r>
+            <a:r>
+              <a:rPr lang="en-US" dirty="0">
+                <a:latin typeface="Times New Roman" panose="02020603050405020304" pitchFamily="18" charset="0"/>
+                <a:cs typeface="Times New Roman" panose="02020603050405020304" pitchFamily="18" charset="0"/>
+              </a:rPr>
+              <a:t> </a:t>
+            </a:r>
+            <a:r>
+              <a:rPr lang="en-US" dirty="0" err="1">
+                <a:latin typeface="Times New Roman" panose="02020603050405020304" pitchFamily="18" charset="0"/>
+                <a:cs typeface="Times New Roman" panose="02020603050405020304" pitchFamily="18" charset="0"/>
+              </a:rPr>
+              <a:t>nhật</a:t>
+            </a:r>
+            <a:r>
+              <a:rPr lang="en-US" dirty="0">
+                <a:latin typeface="Times New Roman" panose="02020603050405020304" pitchFamily="18" charset="0"/>
+                <a:cs typeface="Times New Roman" panose="02020603050405020304" pitchFamily="18" charset="0"/>
+              </a:rPr>
+              <a:t> </a:t>
+            </a:r>
+            <a:r>
+              <a:rPr lang="en-US" dirty="0" err="1">
+                <a:latin typeface="Times New Roman" panose="02020603050405020304" pitchFamily="18" charset="0"/>
+                <a:cs typeface="Times New Roman" panose="02020603050405020304" pitchFamily="18" charset="0"/>
+              </a:rPr>
+              <a:t>nhân</a:t>
+            </a:r>
+            <a:r>
+              <a:rPr lang="en-US" dirty="0">
+                <a:latin typeface="Times New Roman" panose="02020603050405020304" pitchFamily="18" charset="0"/>
+                <a:cs typeface="Times New Roman" panose="02020603050405020304" pitchFamily="18" charset="0"/>
+              </a:rPr>
+              <a:t> </a:t>
+            </a:r>
+            <a:r>
+              <a:rPr lang="en-US" dirty="0" err="1">
+                <a:latin typeface="Times New Roman" panose="02020603050405020304" pitchFamily="18" charset="0"/>
+                <a:cs typeface="Times New Roman" panose="02020603050405020304" pitchFamily="18" charset="0"/>
+              </a:rPr>
+              <a:t>viên</a:t>
+            </a:r>
+            <a:r>
+              <a:rPr lang="en-US" dirty="0">
+                <a:latin typeface="Times New Roman" panose="02020603050405020304" pitchFamily="18" charset="0"/>
+                <a:cs typeface="Times New Roman" panose="02020603050405020304" pitchFamily="18" charset="0"/>
+              </a:rPr>
+              <a:t> </a:t>
+            </a:r>
+            <a:r>
+              <a:rPr lang="en-US" dirty="0" err="1">
+                <a:latin typeface="Times New Roman" panose="02020603050405020304" pitchFamily="18" charset="0"/>
+                <a:cs typeface="Times New Roman" panose="02020603050405020304" pitchFamily="18" charset="0"/>
+              </a:rPr>
+              <a:t>trong</a:t>
+            </a:r>
+            <a:r>
+              <a:rPr lang="en-US" dirty="0">
+                <a:latin typeface="Times New Roman" panose="02020603050405020304" pitchFamily="18" charset="0"/>
+                <a:cs typeface="Times New Roman" panose="02020603050405020304" pitchFamily="18" charset="0"/>
+              </a:rPr>
+              <a:t> </a:t>
+            </a:r>
+            <a:r>
+              <a:rPr lang="en-US" dirty="0" err="1">
+                <a:latin typeface="Times New Roman" panose="02020603050405020304" pitchFamily="18" charset="0"/>
+                <a:cs typeface="Times New Roman" panose="02020603050405020304" pitchFamily="18" charset="0"/>
+              </a:rPr>
+              <a:t>hệ</a:t>
+            </a:r>
+            <a:r>
+              <a:rPr lang="en-US" dirty="0">
+                <a:latin typeface="Times New Roman" panose="02020603050405020304" pitchFamily="18" charset="0"/>
+                <a:cs typeface="Times New Roman" panose="02020603050405020304" pitchFamily="18" charset="0"/>
+              </a:rPr>
+              <a:t> </a:t>
+            </a:r>
+            <a:r>
+              <a:rPr lang="en-US" dirty="0" err="1">
+                <a:latin typeface="Times New Roman" panose="02020603050405020304" pitchFamily="18" charset="0"/>
+                <a:cs typeface="Times New Roman" panose="02020603050405020304" pitchFamily="18" charset="0"/>
+              </a:rPr>
+              <a:t>thống</a:t>
+            </a:r>
+            <a:r>
+              <a:rPr lang="en-US" dirty="0" smtClean="0">
+                <a:latin typeface="Times New Roman" panose="02020603050405020304" pitchFamily="18" charset="0"/>
+                <a:cs typeface="Times New Roman" panose="02020603050405020304" pitchFamily="18" charset="0"/>
+              </a:rPr>
+              <a:t>.</a:t>
+            </a:r>
+            <a:endParaRPr lang="vi-VN" dirty="0">
+              <a:latin typeface="Times New Roman" panose="02020603050405020304" pitchFamily="18" charset="0"/>
+              <a:cs typeface="Times New Roman" panose="02020603050405020304" pitchFamily="18" charset="0"/>
+            </a:endParaRPr>
+          </a:p>
+          <a:p>
+            <a:pPr>
+              <a:lnSpc>
+                <a:spcPct val="150000"/>
+              </a:lnSpc>
+            </a:pPr>
+            <a:r>
+              <a:rPr lang="en-US" b="1" i="1" dirty="0" smtClean="0">
+                <a:latin typeface="Times New Roman" panose="02020603050405020304" pitchFamily="18" charset="0"/>
+                <a:cs typeface="Times New Roman" panose="02020603050405020304" pitchFamily="18" charset="0"/>
+              </a:rPr>
+              <a:t>	</a:t>
+            </a:r>
+            <a:r>
+              <a:rPr lang="en-US" b="1" i="1" dirty="0" err="1">
+                <a:latin typeface="Times New Roman" panose="02020603050405020304" pitchFamily="18" charset="0"/>
+                <a:cs typeface="Times New Roman" panose="02020603050405020304" pitchFamily="18" charset="0"/>
+              </a:rPr>
+              <a:t>Cập</a:t>
+            </a:r>
+            <a:r>
+              <a:rPr lang="en-US" b="1" i="1" dirty="0">
+                <a:latin typeface="Times New Roman" panose="02020603050405020304" pitchFamily="18" charset="0"/>
+                <a:cs typeface="Times New Roman" panose="02020603050405020304" pitchFamily="18" charset="0"/>
+              </a:rPr>
+              <a:t> </a:t>
+            </a:r>
+            <a:r>
+              <a:rPr lang="en-US" b="1" i="1" dirty="0" err="1">
+                <a:latin typeface="Times New Roman" panose="02020603050405020304" pitchFamily="18" charset="0"/>
+                <a:cs typeface="Times New Roman" panose="02020603050405020304" pitchFamily="18" charset="0"/>
+              </a:rPr>
+              <a:t>nhật</a:t>
+            </a:r>
+            <a:r>
+              <a:rPr lang="en-US" b="1" i="1" dirty="0">
+                <a:latin typeface="Times New Roman" panose="02020603050405020304" pitchFamily="18" charset="0"/>
+                <a:cs typeface="Times New Roman" panose="02020603050405020304" pitchFamily="18" charset="0"/>
+              </a:rPr>
+              <a:t> </a:t>
+            </a:r>
+            <a:r>
+              <a:rPr lang="en-US" b="1" i="1" dirty="0" err="1">
+                <a:latin typeface="Times New Roman" panose="02020603050405020304" pitchFamily="18" charset="0"/>
+                <a:cs typeface="Times New Roman" panose="02020603050405020304" pitchFamily="18" charset="0"/>
+              </a:rPr>
+              <a:t>thông</a:t>
+            </a:r>
+            <a:r>
+              <a:rPr lang="en-US" b="1" i="1" dirty="0">
+                <a:latin typeface="Times New Roman" panose="02020603050405020304" pitchFamily="18" charset="0"/>
+                <a:cs typeface="Times New Roman" panose="02020603050405020304" pitchFamily="18" charset="0"/>
+              </a:rPr>
+              <a:t> tin </a:t>
+            </a:r>
+            <a:r>
+              <a:rPr lang="en-US" b="1" i="1" dirty="0" err="1">
+                <a:latin typeface="Times New Roman" panose="02020603050405020304" pitchFamily="18" charset="0"/>
+                <a:cs typeface="Times New Roman" panose="02020603050405020304" pitchFamily="18" charset="0"/>
+              </a:rPr>
+              <a:t>Nhân</a:t>
+            </a:r>
+            <a:r>
+              <a:rPr lang="en-US" b="1" i="1" dirty="0">
+                <a:latin typeface="Times New Roman" panose="02020603050405020304" pitchFamily="18" charset="0"/>
+                <a:cs typeface="Times New Roman" panose="02020603050405020304" pitchFamily="18" charset="0"/>
+              </a:rPr>
+              <a:t> </a:t>
+            </a:r>
+            <a:r>
+              <a:rPr lang="en-US" b="1" i="1" dirty="0" err="1">
+                <a:latin typeface="Times New Roman" panose="02020603050405020304" pitchFamily="18" charset="0"/>
+                <a:cs typeface="Times New Roman" panose="02020603050405020304" pitchFamily="18" charset="0"/>
+              </a:rPr>
+              <a:t>viên</a:t>
+            </a:r>
+            <a:endParaRPr lang="vi-VN" dirty="0">
+              <a:latin typeface="Times New Roman" panose="02020603050405020304" pitchFamily="18" charset="0"/>
+              <a:cs typeface="Times New Roman" panose="02020603050405020304" pitchFamily="18" charset="0"/>
+            </a:endParaRPr>
+          </a:p>
+          <a:p>
+            <a:pPr lvl="0">
+              <a:lnSpc>
+                <a:spcPct val="150000"/>
+              </a:lnSpc>
+            </a:pPr>
+            <a:r>
+              <a:rPr lang="en-US" dirty="0" err="1">
+                <a:latin typeface="Times New Roman" panose="02020603050405020304" pitchFamily="18" charset="0"/>
+                <a:cs typeface="Times New Roman" panose="02020603050405020304" pitchFamily="18" charset="0"/>
+              </a:rPr>
+              <a:t>Hệ</a:t>
+            </a:r>
+            <a:r>
+              <a:rPr lang="en-US" dirty="0">
+                <a:latin typeface="Times New Roman" panose="02020603050405020304" pitchFamily="18" charset="0"/>
+                <a:cs typeface="Times New Roman" panose="02020603050405020304" pitchFamily="18" charset="0"/>
+              </a:rPr>
+              <a:t> </a:t>
+            </a:r>
+            <a:r>
+              <a:rPr lang="en-US" dirty="0" err="1">
+                <a:latin typeface="Times New Roman" panose="02020603050405020304" pitchFamily="18" charset="0"/>
+                <a:cs typeface="Times New Roman" panose="02020603050405020304" pitchFamily="18" charset="0"/>
+              </a:rPr>
+              <a:t>thống</a:t>
+            </a:r>
+            <a:r>
+              <a:rPr lang="en-US" dirty="0">
+                <a:latin typeface="Times New Roman" panose="02020603050405020304" pitchFamily="18" charset="0"/>
+                <a:cs typeface="Times New Roman" panose="02020603050405020304" pitchFamily="18" charset="0"/>
+              </a:rPr>
+              <a:t> </a:t>
+            </a:r>
+            <a:r>
+              <a:rPr lang="en-US" dirty="0" err="1">
+                <a:latin typeface="Times New Roman" panose="02020603050405020304" pitchFamily="18" charset="0"/>
+                <a:cs typeface="Times New Roman" panose="02020603050405020304" pitchFamily="18" charset="0"/>
+              </a:rPr>
+              <a:t>yêu</a:t>
+            </a:r>
+            <a:r>
+              <a:rPr lang="en-US" dirty="0">
+                <a:latin typeface="Times New Roman" panose="02020603050405020304" pitchFamily="18" charset="0"/>
+                <a:cs typeface="Times New Roman" panose="02020603050405020304" pitchFamily="18" charset="0"/>
+              </a:rPr>
+              <a:t> </a:t>
+            </a:r>
+            <a:r>
+              <a:rPr lang="en-US" err="1">
+                <a:latin typeface="Times New Roman" panose="02020603050405020304" pitchFamily="18" charset="0"/>
+                <a:cs typeface="Times New Roman" panose="02020603050405020304" pitchFamily="18" charset="0"/>
+              </a:rPr>
+              <a:t>cầu</a:t>
+            </a:r>
+            <a:r>
+              <a:rPr lang="en-US">
+                <a:latin typeface="Times New Roman" panose="02020603050405020304" pitchFamily="18" charset="0"/>
+                <a:cs typeface="Times New Roman" panose="02020603050405020304" pitchFamily="18" charset="0"/>
+              </a:rPr>
+              <a:t> </a:t>
+            </a:r>
+            <a:r>
+              <a:rPr lang="en-US" smtClean="0">
+                <a:latin typeface="Times New Roman" panose="02020603050405020304" pitchFamily="18" charset="0"/>
+                <a:cs typeface="Times New Roman" panose="02020603050405020304" pitchFamily="18" charset="0"/>
+              </a:rPr>
+              <a:t>Quản trị viên</a:t>
+            </a:r>
+            <a:r>
+              <a:rPr lang="en-US" smtClean="0">
+                <a:latin typeface="Times New Roman" panose="02020603050405020304" pitchFamily="18" charset="0"/>
+                <a:cs typeface="Times New Roman" panose="02020603050405020304" pitchFamily="18" charset="0"/>
+              </a:rPr>
+              <a:t> </a:t>
+            </a:r>
+            <a:r>
+              <a:rPr lang="en-US" dirty="0" err="1">
+                <a:latin typeface="Times New Roman" panose="02020603050405020304" pitchFamily="18" charset="0"/>
+                <a:cs typeface="Times New Roman" panose="02020603050405020304" pitchFamily="18" charset="0"/>
+              </a:rPr>
+              <a:t>nhập</a:t>
+            </a:r>
+            <a:r>
+              <a:rPr lang="en-US" dirty="0">
+                <a:latin typeface="Times New Roman" panose="02020603050405020304" pitchFamily="18" charset="0"/>
+                <a:cs typeface="Times New Roman" panose="02020603050405020304" pitchFamily="18" charset="0"/>
+              </a:rPr>
+              <a:t> </a:t>
+            </a:r>
+            <a:r>
+              <a:rPr lang="en-US" dirty="0" err="1">
+                <a:latin typeface="Times New Roman" panose="02020603050405020304" pitchFamily="18" charset="0"/>
+                <a:cs typeface="Times New Roman" panose="02020603050405020304" pitchFamily="18" charset="0"/>
+              </a:rPr>
+              <a:t>mã</a:t>
+            </a:r>
+            <a:r>
+              <a:rPr lang="en-US" dirty="0">
+                <a:latin typeface="Times New Roman" panose="02020603050405020304" pitchFamily="18" charset="0"/>
+                <a:cs typeface="Times New Roman" panose="02020603050405020304" pitchFamily="18" charset="0"/>
+              </a:rPr>
+              <a:t> </a:t>
+            </a:r>
+            <a:r>
+              <a:rPr lang="en-US" dirty="0" err="1">
+                <a:latin typeface="Times New Roman" panose="02020603050405020304" pitchFamily="18" charset="0"/>
+                <a:cs typeface="Times New Roman" panose="02020603050405020304" pitchFamily="18" charset="0"/>
+              </a:rPr>
+              <a:t>số</a:t>
+            </a:r>
+            <a:r>
+              <a:rPr lang="en-US" dirty="0">
+                <a:latin typeface="Times New Roman" panose="02020603050405020304" pitchFamily="18" charset="0"/>
+                <a:cs typeface="Times New Roman" panose="02020603050405020304" pitchFamily="18" charset="0"/>
+              </a:rPr>
+              <a:t> </a:t>
+            </a:r>
+            <a:r>
+              <a:rPr lang="en-US" dirty="0" err="1">
+                <a:latin typeface="Times New Roman" panose="02020603050405020304" pitchFamily="18" charset="0"/>
+                <a:cs typeface="Times New Roman" panose="02020603050405020304" pitchFamily="18" charset="0"/>
+              </a:rPr>
+              <a:t>Nhân</a:t>
+            </a:r>
+            <a:r>
+              <a:rPr lang="en-US" dirty="0">
+                <a:latin typeface="Times New Roman" panose="02020603050405020304" pitchFamily="18" charset="0"/>
+                <a:cs typeface="Times New Roman" panose="02020603050405020304" pitchFamily="18" charset="0"/>
+              </a:rPr>
+              <a:t> </a:t>
+            </a:r>
+            <a:r>
+              <a:rPr lang="en-US" dirty="0" err="1">
+                <a:latin typeface="Times New Roman" panose="02020603050405020304" pitchFamily="18" charset="0"/>
+                <a:cs typeface="Times New Roman" panose="02020603050405020304" pitchFamily="18" charset="0"/>
+              </a:rPr>
+              <a:t>viên</a:t>
+            </a:r>
+            <a:endParaRPr lang="vi-VN" dirty="0">
+              <a:latin typeface="Times New Roman" panose="02020603050405020304" pitchFamily="18" charset="0"/>
+              <a:cs typeface="Times New Roman" panose="02020603050405020304" pitchFamily="18" charset="0"/>
+            </a:endParaRPr>
+          </a:p>
+          <a:p>
+            <a:pPr lvl="0">
+              <a:lnSpc>
+                <a:spcPct val="150000"/>
+              </a:lnSpc>
+            </a:pPr>
+            <a:r>
+              <a:rPr lang="en-US">
+                <a:latin typeface="Times New Roman" panose="02020603050405020304" pitchFamily="18" charset="0"/>
+                <a:cs typeface="Times New Roman" panose="02020603050405020304" pitchFamily="18" charset="0"/>
+              </a:rPr>
+              <a:t>Quản trị viên nhập </a:t>
+            </a:r>
+            <a:r>
+              <a:rPr lang="en-US" dirty="0" err="1">
+                <a:latin typeface="Times New Roman" panose="02020603050405020304" pitchFamily="18" charset="0"/>
+                <a:cs typeface="Times New Roman" panose="02020603050405020304" pitchFamily="18" charset="0"/>
+              </a:rPr>
+              <a:t>mã</a:t>
+            </a:r>
+            <a:r>
+              <a:rPr lang="en-US" dirty="0">
+                <a:latin typeface="Times New Roman" panose="02020603050405020304" pitchFamily="18" charset="0"/>
+                <a:cs typeface="Times New Roman" panose="02020603050405020304" pitchFamily="18" charset="0"/>
+              </a:rPr>
+              <a:t> </a:t>
+            </a:r>
+            <a:r>
+              <a:rPr lang="en-US" dirty="0" err="1">
+                <a:latin typeface="Times New Roman" panose="02020603050405020304" pitchFamily="18" charset="0"/>
+                <a:cs typeface="Times New Roman" panose="02020603050405020304" pitchFamily="18" charset="0"/>
+              </a:rPr>
+              <a:t>số</a:t>
+            </a:r>
+            <a:r>
+              <a:rPr lang="en-US" dirty="0">
+                <a:latin typeface="Times New Roman" panose="02020603050405020304" pitchFamily="18" charset="0"/>
+                <a:cs typeface="Times New Roman" panose="02020603050405020304" pitchFamily="18" charset="0"/>
+              </a:rPr>
+              <a:t> </a:t>
+            </a:r>
+            <a:r>
+              <a:rPr lang="en-US" dirty="0" err="1">
+                <a:latin typeface="Times New Roman" panose="02020603050405020304" pitchFamily="18" charset="0"/>
+                <a:cs typeface="Times New Roman" panose="02020603050405020304" pitchFamily="18" charset="0"/>
+              </a:rPr>
+              <a:t>Nhân</a:t>
+            </a:r>
+            <a:r>
+              <a:rPr lang="en-US" dirty="0">
+                <a:latin typeface="Times New Roman" panose="02020603050405020304" pitchFamily="18" charset="0"/>
+                <a:cs typeface="Times New Roman" panose="02020603050405020304" pitchFamily="18" charset="0"/>
+              </a:rPr>
+              <a:t> </a:t>
+            </a:r>
+            <a:r>
+              <a:rPr lang="en-US" dirty="0" err="1">
+                <a:latin typeface="Times New Roman" panose="02020603050405020304" pitchFamily="18" charset="0"/>
+                <a:cs typeface="Times New Roman" panose="02020603050405020304" pitchFamily="18" charset="0"/>
+              </a:rPr>
+              <a:t>viên</a:t>
+            </a:r>
+            <a:r>
+              <a:rPr lang="en-US" dirty="0">
+                <a:latin typeface="Times New Roman" panose="02020603050405020304" pitchFamily="18" charset="0"/>
+                <a:cs typeface="Times New Roman" panose="02020603050405020304" pitchFamily="18" charset="0"/>
+              </a:rPr>
+              <a:t>, </a:t>
+            </a:r>
+            <a:r>
+              <a:rPr lang="en-US" dirty="0" err="1">
+                <a:latin typeface="Times New Roman" panose="02020603050405020304" pitchFamily="18" charset="0"/>
+                <a:cs typeface="Times New Roman" panose="02020603050405020304" pitchFamily="18" charset="0"/>
+              </a:rPr>
+              <a:t>hệ</a:t>
+            </a:r>
+            <a:r>
+              <a:rPr lang="en-US" dirty="0">
+                <a:latin typeface="Times New Roman" panose="02020603050405020304" pitchFamily="18" charset="0"/>
+                <a:cs typeface="Times New Roman" panose="02020603050405020304" pitchFamily="18" charset="0"/>
+              </a:rPr>
+              <a:t> </a:t>
+            </a:r>
+            <a:r>
+              <a:rPr lang="en-US" dirty="0" err="1">
+                <a:latin typeface="Times New Roman" panose="02020603050405020304" pitchFamily="18" charset="0"/>
+                <a:cs typeface="Times New Roman" panose="02020603050405020304" pitchFamily="18" charset="0"/>
+              </a:rPr>
+              <a:t>thống</a:t>
+            </a:r>
+            <a:r>
+              <a:rPr lang="en-US" dirty="0">
+                <a:latin typeface="Times New Roman" panose="02020603050405020304" pitchFamily="18" charset="0"/>
+                <a:cs typeface="Times New Roman" panose="02020603050405020304" pitchFamily="18" charset="0"/>
+              </a:rPr>
+              <a:t> </a:t>
+            </a:r>
+            <a:r>
+              <a:rPr lang="en-US" dirty="0" err="1">
+                <a:latin typeface="Times New Roman" panose="02020603050405020304" pitchFamily="18" charset="0"/>
+                <a:cs typeface="Times New Roman" panose="02020603050405020304" pitchFamily="18" charset="0"/>
+              </a:rPr>
+              <a:t>tìm</a:t>
+            </a:r>
+            <a:r>
+              <a:rPr lang="en-US" dirty="0">
+                <a:latin typeface="Times New Roman" panose="02020603050405020304" pitchFamily="18" charset="0"/>
+                <a:cs typeface="Times New Roman" panose="02020603050405020304" pitchFamily="18" charset="0"/>
+              </a:rPr>
+              <a:t> </a:t>
+            </a:r>
+            <a:r>
+              <a:rPr lang="en-US" dirty="0" err="1">
+                <a:latin typeface="Times New Roman" panose="02020603050405020304" pitchFamily="18" charset="0"/>
+                <a:cs typeface="Times New Roman" panose="02020603050405020304" pitchFamily="18" charset="0"/>
+              </a:rPr>
+              <a:t>và</a:t>
+            </a:r>
+            <a:r>
+              <a:rPr lang="en-US" dirty="0">
+                <a:latin typeface="Times New Roman" panose="02020603050405020304" pitchFamily="18" charset="0"/>
+                <a:cs typeface="Times New Roman" panose="02020603050405020304" pitchFamily="18" charset="0"/>
+              </a:rPr>
+              <a:t> </a:t>
+            </a:r>
+            <a:r>
+              <a:rPr lang="en-US" dirty="0" err="1">
+                <a:latin typeface="Times New Roman" panose="02020603050405020304" pitchFamily="18" charset="0"/>
+                <a:cs typeface="Times New Roman" panose="02020603050405020304" pitchFamily="18" charset="0"/>
+              </a:rPr>
+              <a:t>hiển</a:t>
+            </a:r>
+            <a:r>
+              <a:rPr lang="en-US" dirty="0">
+                <a:latin typeface="Times New Roman" panose="02020603050405020304" pitchFamily="18" charset="0"/>
+                <a:cs typeface="Times New Roman" panose="02020603050405020304" pitchFamily="18" charset="0"/>
+              </a:rPr>
+              <a:t> </a:t>
+            </a:r>
+            <a:r>
+              <a:rPr lang="en-US" dirty="0" err="1">
+                <a:latin typeface="Times New Roman" panose="02020603050405020304" pitchFamily="18" charset="0"/>
+                <a:cs typeface="Times New Roman" panose="02020603050405020304" pitchFamily="18" charset="0"/>
+              </a:rPr>
+              <a:t>thị</a:t>
+            </a:r>
+            <a:r>
+              <a:rPr lang="en-US" dirty="0">
+                <a:latin typeface="Times New Roman" panose="02020603050405020304" pitchFamily="18" charset="0"/>
+                <a:cs typeface="Times New Roman" panose="02020603050405020304" pitchFamily="18" charset="0"/>
+              </a:rPr>
+              <a:t> </a:t>
+            </a:r>
+            <a:r>
+              <a:rPr lang="en-US" dirty="0" err="1">
+                <a:latin typeface="Times New Roman" panose="02020603050405020304" pitchFamily="18" charset="0"/>
+                <a:cs typeface="Times New Roman" panose="02020603050405020304" pitchFamily="18" charset="0"/>
+              </a:rPr>
+              <a:t>thông</a:t>
+            </a:r>
+            <a:r>
+              <a:rPr lang="en-US" dirty="0">
+                <a:latin typeface="Times New Roman" panose="02020603050405020304" pitchFamily="18" charset="0"/>
+                <a:cs typeface="Times New Roman" panose="02020603050405020304" pitchFamily="18" charset="0"/>
+              </a:rPr>
+              <a:t> tin </a:t>
+            </a:r>
+            <a:r>
+              <a:rPr lang="en-US" dirty="0" err="1">
+                <a:latin typeface="Times New Roman" panose="02020603050405020304" pitchFamily="18" charset="0"/>
+                <a:cs typeface="Times New Roman" panose="02020603050405020304" pitchFamily="18" charset="0"/>
+              </a:rPr>
+              <a:t>Nhân</a:t>
+            </a:r>
+            <a:r>
+              <a:rPr lang="en-US" dirty="0">
+                <a:latin typeface="Times New Roman" panose="02020603050405020304" pitchFamily="18" charset="0"/>
+                <a:cs typeface="Times New Roman" panose="02020603050405020304" pitchFamily="18" charset="0"/>
+              </a:rPr>
+              <a:t> </a:t>
+            </a:r>
+            <a:r>
+              <a:rPr lang="en-US" dirty="0" err="1">
+                <a:latin typeface="Times New Roman" panose="02020603050405020304" pitchFamily="18" charset="0"/>
+                <a:cs typeface="Times New Roman" panose="02020603050405020304" pitchFamily="18" charset="0"/>
+              </a:rPr>
+              <a:t>viên</a:t>
+            </a:r>
+            <a:r>
+              <a:rPr lang="en-US" dirty="0">
+                <a:latin typeface="Times New Roman" panose="02020603050405020304" pitchFamily="18" charset="0"/>
+                <a:cs typeface="Times New Roman" panose="02020603050405020304" pitchFamily="18" charset="0"/>
+              </a:rPr>
+              <a:t>.</a:t>
+            </a:r>
+            <a:endParaRPr lang="vi-VN" dirty="0">
+              <a:latin typeface="Times New Roman" panose="02020603050405020304" pitchFamily="18" charset="0"/>
+              <a:cs typeface="Times New Roman" panose="02020603050405020304" pitchFamily="18" charset="0"/>
+            </a:endParaRPr>
+          </a:p>
+          <a:p>
+            <a:pPr lvl="0">
+              <a:lnSpc>
+                <a:spcPct val="150000"/>
+              </a:lnSpc>
+            </a:pPr>
+            <a:r>
+              <a:rPr lang="en-US">
+                <a:latin typeface="Times New Roman" panose="02020603050405020304" pitchFamily="18" charset="0"/>
+                <a:cs typeface="Times New Roman" panose="02020603050405020304" pitchFamily="18" charset="0"/>
+              </a:rPr>
+              <a:t>Quản trị viên tạo</a:t>
+            </a:r>
+            <a:r>
+              <a:rPr lang="en-US" dirty="0">
+                <a:latin typeface="Times New Roman" panose="02020603050405020304" pitchFamily="18" charset="0"/>
+                <a:cs typeface="Times New Roman" panose="02020603050405020304" pitchFamily="18" charset="0"/>
+              </a:rPr>
+              <a:t>­ </a:t>
+            </a:r>
+            <a:r>
+              <a:rPr lang="en-US" dirty="0" err="1">
+                <a:latin typeface="Times New Roman" panose="02020603050405020304" pitchFamily="18" charset="0"/>
+                <a:cs typeface="Times New Roman" panose="02020603050405020304" pitchFamily="18" charset="0"/>
+              </a:rPr>
+              <a:t>một</a:t>
+            </a:r>
+            <a:r>
+              <a:rPr lang="en-US" dirty="0">
+                <a:latin typeface="Times New Roman" panose="02020603050405020304" pitchFamily="18" charset="0"/>
+                <a:cs typeface="Times New Roman" panose="02020603050405020304" pitchFamily="18" charset="0"/>
+              </a:rPr>
+              <a:t> </a:t>
+            </a:r>
+            <a:r>
+              <a:rPr lang="en-US" dirty="0" err="1">
+                <a:latin typeface="Times New Roman" panose="02020603050405020304" pitchFamily="18" charset="0"/>
+                <a:cs typeface="Times New Roman" panose="02020603050405020304" pitchFamily="18" charset="0"/>
+              </a:rPr>
+              <a:t>yêu</a:t>
+            </a:r>
+            <a:r>
+              <a:rPr lang="en-US" dirty="0">
+                <a:latin typeface="Times New Roman" panose="02020603050405020304" pitchFamily="18" charset="0"/>
+                <a:cs typeface="Times New Roman" panose="02020603050405020304" pitchFamily="18" charset="0"/>
+              </a:rPr>
+              <a:t> </a:t>
+            </a:r>
+            <a:r>
+              <a:rPr lang="en-US" dirty="0" err="1">
+                <a:latin typeface="Times New Roman" panose="02020603050405020304" pitchFamily="18" charset="0"/>
+                <a:cs typeface="Times New Roman" panose="02020603050405020304" pitchFamily="18" charset="0"/>
+              </a:rPr>
+              <a:t>cầu</a:t>
+            </a:r>
+            <a:r>
+              <a:rPr lang="en-US" dirty="0">
+                <a:latin typeface="Times New Roman" panose="02020603050405020304" pitchFamily="18" charset="0"/>
+                <a:cs typeface="Times New Roman" panose="02020603050405020304" pitchFamily="18" charset="0"/>
+              </a:rPr>
+              <a:t> </a:t>
+            </a:r>
+            <a:r>
+              <a:rPr lang="en-US" dirty="0" err="1">
+                <a:latin typeface="Times New Roman" panose="02020603050405020304" pitchFamily="18" charset="0"/>
+                <a:cs typeface="Times New Roman" panose="02020603050405020304" pitchFamily="18" charset="0"/>
+              </a:rPr>
+              <a:t>thay</a:t>
+            </a:r>
+            <a:r>
+              <a:rPr lang="en-US" dirty="0">
+                <a:latin typeface="Times New Roman" panose="02020603050405020304" pitchFamily="18" charset="0"/>
+                <a:cs typeface="Times New Roman" panose="02020603050405020304" pitchFamily="18" charset="0"/>
+              </a:rPr>
+              <a:t> </a:t>
+            </a:r>
+            <a:r>
+              <a:rPr lang="en-US" dirty="0" err="1">
+                <a:latin typeface="Times New Roman" panose="02020603050405020304" pitchFamily="18" charset="0"/>
+                <a:cs typeface="Times New Roman" panose="02020603050405020304" pitchFamily="18" charset="0"/>
+              </a:rPr>
+              <a:t>đổi</a:t>
+            </a:r>
+            <a:r>
+              <a:rPr lang="en-US" dirty="0">
+                <a:latin typeface="Times New Roman" panose="02020603050405020304" pitchFamily="18" charset="0"/>
+                <a:cs typeface="Times New Roman" panose="02020603050405020304" pitchFamily="18" charset="0"/>
+              </a:rPr>
+              <a:t> </a:t>
+            </a:r>
+            <a:r>
+              <a:rPr lang="en-US" dirty="0" err="1">
+                <a:latin typeface="Times New Roman" panose="02020603050405020304" pitchFamily="18" charset="0"/>
+                <a:cs typeface="Times New Roman" panose="02020603050405020304" pitchFamily="18" charset="0"/>
+              </a:rPr>
+              <a:t>thông</a:t>
+            </a:r>
+            <a:r>
+              <a:rPr lang="en-US" dirty="0">
+                <a:latin typeface="Times New Roman" panose="02020603050405020304" pitchFamily="18" charset="0"/>
+                <a:cs typeface="Times New Roman" panose="02020603050405020304" pitchFamily="18" charset="0"/>
+              </a:rPr>
+              <a:t> tin </a:t>
+            </a:r>
+            <a:r>
+              <a:rPr lang="en-US" dirty="0" err="1">
+                <a:latin typeface="Times New Roman" panose="02020603050405020304" pitchFamily="18" charset="0"/>
+                <a:cs typeface="Times New Roman" panose="02020603050405020304" pitchFamily="18" charset="0"/>
+              </a:rPr>
+              <a:t>Nhân</a:t>
+            </a:r>
+            <a:r>
+              <a:rPr lang="en-US" dirty="0">
+                <a:latin typeface="Times New Roman" panose="02020603050405020304" pitchFamily="18" charset="0"/>
+                <a:cs typeface="Times New Roman" panose="02020603050405020304" pitchFamily="18" charset="0"/>
+              </a:rPr>
+              <a:t> </a:t>
+            </a:r>
+            <a:r>
+              <a:rPr lang="en-US" dirty="0" err="1">
+                <a:latin typeface="Times New Roman" panose="02020603050405020304" pitchFamily="18" charset="0"/>
+                <a:cs typeface="Times New Roman" panose="02020603050405020304" pitchFamily="18" charset="0"/>
+              </a:rPr>
+              <a:t>viên</a:t>
+            </a:r>
+            <a:r>
+              <a:rPr lang="en-US" dirty="0">
+                <a:latin typeface="Times New Roman" panose="02020603050405020304" pitchFamily="18" charset="0"/>
+                <a:cs typeface="Times New Roman" panose="02020603050405020304" pitchFamily="18" charset="0"/>
+              </a:rPr>
+              <a:t>, </a:t>
+            </a:r>
+            <a:r>
+              <a:rPr lang="en-US" dirty="0" err="1">
+                <a:latin typeface="Times New Roman" panose="02020603050405020304" pitchFamily="18" charset="0"/>
+                <a:cs typeface="Times New Roman" panose="02020603050405020304" pitchFamily="18" charset="0"/>
+              </a:rPr>
+              <a:t>bao</a:t>
+            </a:r>
+            <a:r>
+              <a:rPr lang="en-US" dirty="0">
+                <a:latin typeface="Times New Roman" panose="02020603050405020304" pitchFamily="18" charset="0"/>
+                <a:cs typeface="Times New Roman" panose="02020603050405020304" pitchFamily="18" charset="0"/>
+              </a:rPr>
+              <a:t> </a:t>
+            </a:r>
+            <a:r>
+              <a:rPr lang="en-US" dirty="0" err="1">
+                <a:latin typeface="Times New Roman" panose="02020603050405020304" pitchFamily="18" charset="0"/>
+                <a:cs typeface="Times New Roman" panose="02020603050405020304" pitchFamily="18" charset="0"/>
+              </a:rPr>
+              <a:t>gồm</a:t>
+            </a:r>
+            <a:r>
+              <a:rPr lang="en-US" dirty="0">
+                <a:latin typeface="Times New Roman" panose="02020603050405020304" pitchFamily="18" charset="0"/>
+                <a:cs typeface="Times New Roman" panose="02020603050405020304" pitchFamily="18" charset="0"/>
+              </a:rPr>
+              <a:t> </a:t>
+            </a:r>
+            <a:r>
+              <a:rPr lang="en-US" dirty="0" err="1">
+                <a:latin typeface="Times New Roman" panose="02020603050405020304" pitchFamily="18" charset="0"/>
+                <a:cs typeface="Times New Roman" panose="02020603050405020304" pitchFamily="18" charset="0"/>
+              </a:rPr>
+              <a:t>bất</a:t>
+            </a:r>
+            <a:r>
+              <a:rPr lang="en-US" dirty="0">
+                <a:latin typeface="Times New Roman" panose="02020603050405020304" pitchFamily="18" charset="0"/>
+                <a:cs typeface="Times New Roman" panose="02020603050405020304" pitchFamily="18" charset="0"/>
+              </a:rPr>
+              <a:t> </a:t>
+            </a:r>
+            <a:r>
+              <a:rPr lang="en-US" dirty="0" err="1">
+                <a:latin typeface="Times New Roman" panose="02020603050405020304" pitchFamily="18" charset="0"/>
+                <a:cs typeface="Times New Roman" panose="02020603050405020304" pitchFamily="18" charset="0"/>
+              </a:rPr>
+              <a:t>kỳ</a:t>
+            </a:r>
+            <a:r>
+              <a:rPr lang="en-US" dirty="0">
+                <a:latin typeface="Times New Roman" panose="02020603050405020304" pitchFamily="18" charset="0"/>
+                <a:cs typeface="Times New Roman" panose="02020603050405020304" pitchFamily="18" charset="0"/>
+              </a:rPr>
+              <a:t> </a:t>
+            </a:r>
+            <a:r>
+              <a:rPr lang="en-US" dirty="0" err="1">
+                <a:latin typeface="Times New Roman" panose="02020603050405020304" pitchFamily="18" charset="0"/>
+                <a:cs typeface="Times New Roman" panose="02020603050405020304" pitchFamily="18" charset="0"/>
+              </a:rPr>
+              <a:t>thông</a:t>
+            </a:r>
+            <a:r>
+              <a:rPr lang="en-US" dirty="0">
+                <a:latin typeface="Times New Roman" panose="02020603050405020304" pitchFamily="18" charset="0"/>
+                <a:cs typeface="Times New Roman" panose="02020603050405020304" pitchFamily="18" charset="0"/>
+              </a:rPr>
+              <a:t> tin </a:t>
+            </a:r>
+            <a:r>
+              <a:rPr lang="en-US" dirty="0" err="1">
+                <a:latin typeface="Times New Roman" panose="02020603050405020304" pitchFamily="18" charset="0"/>
+                <a:cs typeface="Times New Roman" panose="02020603050405020304" pitchFamily="18" charset="0"/>
+              </a:rPr>
+              <a:t>danh</a:t>
+            </a:r>
+            <a:r>
+              <a:rPr lang="en-US" dirty="0">
+                <a:latin typeface="Times New Roman" panose="02020603050405020304" pitchFamily="18" charset="0"/>
+                <a:cs typeface="Times New Roman" panose="02020603050405020304" pitchFamily="18" charset="0"/>
+              </a:rPr>
+              <a:t> </a:t>
+            </a:r>
+            <a:r>
+              <a:rPr lang="en-US" dirty="0" err="1">
+                <a:latin typeface="Times New Roman" panose="02020603050405020304" pitchFamily="18" charset="0"/>
+                <a:cs typeface="Times New Roman" panose="02020603050405020304" pitchFamily="18" charset="0"/>
+              </a:rPr>
+              <a:t>nghĩa</a:t>
+            </a:r>
+            <a:r>
+              <a:rPr lang="en-US" dirty="0">
+                <a:latin typeface="Times New Roman" panose="02020603050405020304" pitchFamily="18" charset="0"/>
+                <a:cs typeface="Times New Roman" panose="02020603050405020304" pitchFamily="18" charset="0"/>
+              </a:rPr>
+              <a:t> </a:t>
+            </a:r>
+            <a:r>
+              <a:rPr lang="en-US" dirty="0" err="1">
+                <a:latin typeface="Times New Roman" panose="02020603050405020304" pitchFamily="18" charset="0"/>
+                <a:cs typeface="Times New Roman" panose="02020603050405020304" pitchFamily="18" charset="0"/>
+              </a:rPr>
+              <a:t>nào</a:t>
+            </a:r>
+            <a:r>
+              <a:rPr lang="en-US" dirty="0">
+                <a:latin typeface="Times New Roman" panose="02020603050405020304" pitchFamily="18" charset="0"/>
+                <a:cs typeface="Times New Roman" panose="02020603050405020304" pitchFamily="18" charset="0"/>
+              </a:rPr>
+              <a:t> </a:t>
+            </a:r>
+            <a:r>
+              <a:rPr lang="en-US" dirty="0" err="1">
+                <a:latin typeface="Times New Roman" panose="02020603050405020304" pitchFamily="18" charset="0"/>
+                <a:cs typeface="Times New Roman" panose="02020603050405020304" pitchFamily="18" charset="0"/>
+              </a:rPr>
+              <a:t>trong</a:t>
+            </a:r>
+            <a:r>
+              <a:rPr lang="en-US" dirty="0">
+                <a:latin typeface="Times New Roman" panose="02020603050405020304" pitchFamily="18" charset="0"/>
+                <a:cs typeface="Times New Roman" panose="02020603050405020304" pitchFamily="18" charset="0"/>
+              </a:rPr>
+              <a:t> </a:t>
+            </a:r>
+            <a:r>
+              <a:rPr lang="en-US" dirty="0" err="1">
+                <a:latin typeface="Times New Roman" panose="02020603050405020304" pitchFamily="18" charset="0"/>
+                <a:cs typeface="Times New Roman" panose="02020603050405020304" pitchFamily="18" charset="0"/>
+              </a:rPr>
+              <a:t>luồng</a:t>
+            </a:r>
+            <a:r>
+              <a:rPr lang="en-US" dirty="0">
+                <a:latin typeface="Times New Roman" panose="02020603050405020304" pitchFamily="18" charset="0"/>
+                <a:cs typeface="Times New Roman" panose="02020603050405020304" pitchFamily="18" charset="0"/>
+              </a:rPr>
+              <a:t> </a:t>
+            </a:r>
+            <a:r>
+              <a:rPr lang="en-US" i="1" dirty="0">
+                <a:latin typeface="Times New Roman" panose="02020603050405020304" pitchFamily="18" charset="0"/>
+                <a:cs typeface="Times New Roman" panose="02020603050405020304" pitchFamily="18" charset="0"/>
+              </a:rPr>
+              <a:t>“</a:t>
+            </a:r>
+            <a:r>
+              <a:rPr lang="en-US" i="1" dirty="0" err="1">
+                <a:latin typeface="Times New Roman" panose="02020603050405020304" pitchFamily="18" charset="0"/>
+                <a:cs typeface="Times New Roman" panose="02020603050405020304" pitchFamily="18" charset="0"/>
+              </a:rPr>
+              <a:t>Thêm</a:t>
+            </a:r>
+            <a:r>
+              <a:rPr lang="en-US" i="1" dirty="0">
+                <a:latin typeface="Times New Roman" panose="02020603050405020304" pitchFamily="18" charset="0"/>
+                <a:cs typeface="Times New Roman" panose="02020603050405020304" pitchFamily="18" charset="0"/>
+              </a:rPr>
+              <a:t> </a:t>
+            </a:r>
+            <a:r>
+              <a:rPr lang="en-US" i="1" dirty="0" err="1">
+                <a:latin typeface="Times New Roman" panose="02020603050405020304" pitchFamily="18" charset="0"/>
+                <a:cs typeface="Times New Roman" panose="02020603050405020304" pitchFamily="18" charset="0"/>
+              </a:rPr>
+              <a:t>một</a:t>
+            </a:r>
+            <a:r>
+              <a:rPr lang="en-US" i="1" dirty="0">
+                <a:latin typeface="Times New Roman" panose="02020603050405020304" pitchFamily="18" charset="0"/>
+                <a:cs typeface="Times New Roman" panose="02020603050405020304" pitchFamily="18" charset="0"/>
+              </a:rPr>
+              <a:t> </a:t>
+            </a:r>
+            <a:r>
+              <a:rPr lang="en-US" i="1" dirty="0" err="1">
+                <a:latin typeface="Times New Roman" panose="02020603050405020304" pitchFamily="18" charset="0"/>
+                <a:cs typeface="Times New Roman" panose="02020603050405020304" pitchFamily="18" charset="0"/>
+              </a:rPr>
+              <a:t>Nhân</a:t>
+            </a:r>
+            <a:r>
+              <a:rPr lang="en-US" i="1" dirty="0">
+                <a:latin typeface="Times New Roman" panose="02020603050405020304" pitchFamily="18" charset="0"/>
+                <a:cs typeface="Times New Roman" panose="02020603050405020304" pitchFamily="18" charset="0"/>
+              </a:rPr>
+              <a:t> </a:t>
+            </a:r>
+            <a:r>
+              <a:rPr lang="en-US" i="1" dirty="0" err="1">
+                <a:latin typeface="Times New Roman" panose="02020603050405020304" pitchFamily="18" charset="0"/>
+                <a:cs typeface="Times New Roman" panose="02020603050405020304" pitchFamily="18" charset="0"/>
+              </a:rPr>
+              <a:t>viên</a:t>
+            </a:r>
+            <a:r>
+              <a:rPr lang="en-US" i="1" dirty="0">
+                <a:latin typeface="Times New Roman" panose="02020603050405020304" pitchFamily="18" charset="0"/>
+                <a:cs typeface="Times New Roman" panose="02020603050405020304" pitchFamily="18" charset="0"/>
+              </a:rPr>
+              <a:t>”.</a:t>
+            </a:r>
+            <a:endParaRPr lang="vi-VN" dirty="0">
+              <a:latin typeface="Times New Roman" panose="02020603050405020304" pitchFamily="18" charset="0"/>
+              <a:cs typeface="Times New Roman" panose="02020603050405020304" pitchFamily="18" charset="0"/>
+            </a:endParaRPr>
+          </a:p>
+          <a:p>
+            <a:pPr lvl="0">
+              <a:lnSpc>
+                <a:spcPct val="150000"/>
+              </a:lnSpc>
+            </a:pPr>
+            <a:r>
+              <a:rPr lang="en-US" dirty="0" err="1">
+                <a:latin typeface="Times New Roman" panose="02020603050405020304" pitchFamily="18" charset="0"/>
+                <a:cs typeface="Times New Roman" panose="02020603050405020304" pitchFamily="18" charset="0"/>
+              </a:rPr>
+              <a:t>Mỗi</a:t>
+            </a:r>
+            <a:r>
+              <a:rPr lang="en-US" dirty="0">
+                <a:latin typeface="Times New Roman" panose="02020603050405020304" pitchFamily="18" charset="0"/>
+                <a:cs typeface="Times New Roman" panose="02020603050405020304" pitchFamily="18" charset="0"/>
+              </a:rPr>
+              <a:t> </a:t>
+            </a:r>
+            <a:r>
+              <a:rPr lang="en-US" err="1">
+                <a:latin typeface="Times New Roman" panose="02020603050405020304" pitchFamily="18" charset="0"/>
+                <a:cs typeface="Times New Roman" panose="02020603050405020304" pitchFamily="18" charset="0"/>
+              </a:rPr>
+              <a:t>lần</a:t>
+            </a:r>
+            <a:r>
+              <a:rPr lang="en-US">
+                <a:latin typeface="Times New Roman" panose="02020603050405020304" pitchFamily="18" charset="0"/>
+                <a:cs typeface="Times New Roman" panose="02020603050405020304" pitchFamily="18" charset="0"/>
+              </a:rPr>
+              <a:t> </a:t>
+            </a:r>
+            <a:r>
+              <a:rPr lang="en-US">
+                <a:latin typeface="Times New Roman" panose="02020603050405020304" pitchFamily="18" charset="0"/>
+                <a:cs typeface="Times New Roman" panose="02020603050405020304" pitchFamily="18" charset="0"/>
+              </a:rPr>
+              <a:t>Quản trị viên nhập </a:t>
+            </a:r>
+            <a:r>
+              <a:rPr lang="en-US" dirty="0" err="1">
+                <a:latin typeface="Times New Roman" panose="02020603050405020304" pitchFamily="18" charset="0"/>
+                <a:cs typeface="Times New Roman" panose="02020603050405020304" pitchFamily="18" charset="0"/>
+              </a:rPr>
+              <a:t>thông</a:t>
+            </a:r>
+            <a:r>
+              <a:rPr lang="en-US" dirty="0">
+                <a:latin typeface="Times New Roman" panose="02020603050405020304" pitchFamily="18" charset="0"/>
+                <a:cs typeface="Times New Roman" panose="02020603050405020304" pitchFamily="18" charset="0"/>
+              </a:rPr>
+              <a:t> tin </a:t>
+            </a:r>
+            <a:r>
+              <a:rPr lang="en-US" dirty="0" err="1">
+                <a:latin typeface="Times New Roman" panose="02020603050405020304" pitchFamily="18" charset="0"/>
+                <a:cs typeface="Times New Roman" panose="02020603050405020304" pitchFamily="18" charset="0"/>
+              </a:rPr>
+              <a:t>cần</a:t>
+            </a:r>
+            <a:r>
+              <a:rPr lang="en-US" dirty="0">
+                <a:latin typeface="Times New Roman" panose="02020603050405020304" pitchFamily="18" charset="0"/>
+                <a:cs typeface="Times New Roman" panose="02020603050405020304" pitchFamily="18" charset="0"/>
+              </a:rPr>
+              <a:t> </a:t>
+            </a:r>
+            <a:r>
+              <a:rPr lang="en-US" dirty="0" err="1">
+                <a:latin typeface="Times New Roman" panose="02020603050405020304" pitchFamily="18" charset="0"/>
+                <a:cs typeface="Times New Roman" panose="02020603050405020304" pitchFamily="18" charset="0"/>
+              </a:rPr>
+              <a:t>thiết</a:t>
+            </a:r>
+            <a:r>
+              <a:rPr lang="en-US" dirty="0">
+                <a:latin typeface="Times New Roman" panose="02020603050405020304" pitchFamily="18" charset="0"/>
+                <a:cs typeface="Times New Roman" panose="02020603050405020304" pitchFamily="18" charset="0"/>
+              </a:rPr>
+              <a:t>, </a:t>
+            </a:r>
+            <a:r>
+              <a:rPr lang="en-US" dirty="0" err="1">
+                <a:latin typeface="Times New Roman" panose="02020603050405020304" pitchFamily="18" charset="0"/>
+                <a:cs typeface="Times New Roman" panose="02020603050405020304" pitchFamily="18" charset="0"/>
+              </a:rPr>
+              <a:t>hệ</a:t>
+            </a:r>
+            <a:r>
+              <a:rPr lang="en-US" dirty="0">
+                <a:latin typeface="Times New Roman" panose="02020603050405020304" pitchFamily="18" charset="0"/>
+                <a:cs typeface="Times New Roman" panose="02020603050405020304" pitchFamily="18" charset="0"/>
+              </a:rPr>
+              <a:t> </a:t>
+            </a:r>
+            <a:r>
+              <a:rPr lang="en-US" dirty="0" err="1">
+                <a:latin typeface="Times New Roman" panose="02020603050405020304" pitchFamily="18" charset="0"/>
+                <a:cs typeface="Times New Roman" panose="02020603050405020304" pitchFamily="18" charset="0"/>
+              </a:rPr>
+              <a:t>thống</a:t>
+            </a:r>
+            <a:r>
+              <a:rPr lang="en-US" dirty="0">
+                <a:latin typeface="Times New Roman" panose="02020603050405020304" pitchFamily="18" charset="0"/>
+                <a:cs typeface="Times New Roman" panose="02020603050405020304" pitchFamily="18" charset="0"/>
+              </a:rPr>
+              <a:t> </a:t>
+            </a:r>
+            <a:r>
+              <a:rPr lang="en-US" dirty="0" err="1">
+                <a:latin typeface="Times New Roman" panose="02020603050405020304" pitchFamily="18" charset="0"/>
+                <a:cs typeface="Times New Roman" panose="02020603050405020304" pitchFamily="18" charset="0"/>
+              </a:rPr>
+              <a:t>sẽ</a:t>
+            </a:r>
+            <a:r>
+              <a:rPr lang="en-US" dirty="0">
+                <a:latin typeface="Times New Roman" panose="02020603050405020304" pitchFamily="18" charset="0"/>
+                <a:cs typeface="Times New Roman" panose="02020603050405020304" pitchFamily="18" charset="0"/>
+              </a:rPr>
+              <a:t> </a:t>
+            </a:r>
+            <a:r>
+              <a:rPr lang="en-US" dirty="0" err="1">
+                <a:latin typeface="Times New Roman" panose="02020603050405020304" pitchFamily="18" charset="0"/>
+                <a:cs typeface="Times New Roman" panose="02020603050405020304" pitchFamily="18" charset="0"/>
+              </a:rPr>
+              <a:t>cập</a:t>
+            </a:r>
+            <a:r>
+              <a:rPr lang="en-US" dirty="0">
+                <a:latin typeface="Times New Roman" panose="02020603050405020304" pitchFamily="18" charset="0"/>
+                <a:cs typeface="Times New Roman" panose="02020603050405020304" pitchFamily="18" charset="0"/>
+              </a:rPr>
+              <a:t> </a:t>
+            </a:r>
+            <a:r>
+              <a:rPr lang="en-US" dirty="0" err="1">
+                <a:latin typeface="Times New Roman" panose="02020603050405020304" pitchFamily="18" charset="0"/>
+                <a:cs typeface="Times New Roman" panose="02020603050405020304" pitchFamily="18" charset="0"/>
+              </a:rPr>
+              <a:t>nhật</a:t>
+            </a:r>
+            <a:r>
+              <a:rPr lang="en-US" dirty="0">
+                <a:latin typeface="Times New Roman" panose="02020603050405020304" pitchFamily="18" charset="0"/>
+                <a:cs typeface="Times New Roman" panose="02020603050405020304" pitchFamily="18" charset="0"/>
+              </a:rPr>
+              <a:t> </a:t>
+            </a:r>
+            <a:r>
+              <a:rPr lang="en-US" dirty="0" err="1">
+                <a:latin typeface="Times New Roman" panose="02020603050405020304" pitchFamily="18" charset="0"/>
+                <a:cs typeface="Times New Roman" panose="02020603050405020304" pitchFamily="18" charset="0"/>
+              </a:rPr>
+              <a:t>bản</a:t>
+            </a:r>
+            <a:r>
+              <a:rPr lang="en-US" dirty="0">
+                <a:latin typeface="Times New Roman" panose="02020603050405020304" pitchFamily="18" charset="0"/>
+                <a:cs typeface="Times New Roman" panose="02020603050405020304" pitchFamily="18" charset="0"/>
+              </a:rPr>
+              <a:t> </a:t>
+            </a:r>
+            <a:r>
+              <a:rPr lang="en-US" dirty="0" err="1">
+                <a:latin typeface="Times New Roman" panose="02020603050405020304" pitchFamily="18" charset="0"/>
+                <a:cs typeface="Times New Roman" panose="02020603050405020304" pitchFamily="18" charset="0"/>
+              </a:rPr>
+              <a:t>ghi</a:t>
+            </a:r>
+            <a:r>
+              <a:rPr lang="en-US" dirty="0">
+                <a:latin typeface="Times New Roman" panose="02020603050405020304" pitchFamily="18" charset="0"/>
+                <a:cs typeface="Times New Roman" panose="02020603050405020304" pitchFamily="18" charset="0"/>
+              </a:rPr>
+              <a:t> </a:t>
+            </a:r>
+            <a:r>
+              <a:rPr lang="en-US" dirty="0" err="1">
+                <a:latin typeface="Times New Roman" panose="02020603050405020304" pitchFamily="18" charset="0"/>
+                <a:cs typeface="Times New Roman" panose="02020603050405020304" pitchFamily="18" charset="0"/>
+              </a:rPr>
+              <a:t>Nhân</a:t>
+            </a:r>
+            <a:r>
+              <a:rPr lang="en-US" dirty="0">
+                <a:latin typeface="Times New Roman" panose="02020603050405020304" pitchFamily="18" charset="0"/>
+                <a:cs typeface="Times New Roman" panose="02020603050405020304" pitchFamily="18" charset="0"/>
+              </a:rPr>
+              <a:t> </a:t>
+            </a:r>
+            <a:r>
+              <a:rPr lang="en-US" dirty="0" err="1">
+                <a:latin typeface="Times New Roman" panose="02020603050405020304" pitchFamily="18" charset="0"/>
+                <a:cs typeface="Times New Roman" panose="02020603050405020304" pitchFamily="18" charset="0"/>
+              </a:rPr>
+              <a:t>viên</a:t>
+            </a:r>
+            <a:r>
+              <a:rPr lang="en-US" dirty="0">
+                <a:latin typeface="Times New Roman" panose="02020603050405020304" pitchFamily="18" charset="0"/>
+                <a:cs typeface="Times New Roman" panose="02020603050405020304" pitchFamily="18" charset="0"/>
+              </a:rPr>
+              <a:t> </a:t>
+            </a:r>
+            <a:r>
+              <a:rPr lang="en-US" dirty="0" err="1">
+                <a:latin typeface="Times New Roman" panose="02020603050405020304" pitchFamily="18" charset="0"/>
+                <a:cs typeface="Times New Roman" panose="02020603050405020304" pitchFamily="18" charset="0"/>
+              </a:rPr>
+              <a:t>đó</a:t>
+            </a:r>
+            <a:r>
+              <a:rPr lang="en-US" dirty="0">
+                <a:latin typeface="Times New Roman" panose="02020603050405020304" pitchFamily="18" charset="0"/>
+                <a:cs typeface="Times New Roman" panose="02020603050405020304" pitchFamily="18" charset="0"/>
+              </a:rPr>
+              <a:t>.</a:t>
+            </a:r>
+            <a:endParaRPr lang="vi-VN" dirty="0">
+              <a:latin typeface="Times New Roman" panose="02020603050405020304" pitchFamily="18" charset="0"/>
+              <a:cs typeface="Times New Roman" panose="02020603050405020304" pitchFamily="18" charset="0"/>
+            </a:endParaRPr>
+          </a:p>
+          <a:p>
+            <a:pPr lvl="0">
+              <a:lnSpc>
+                <a:spcPct val="150000"/>
+              </a:lnSpc>
+            </a:pPr>
+            <a:endParaRPr lang="vi-VN" dirty="0">
+              <a:latin typeface="Times New Roman" panose="02020603050405020304" pitchFamily="18" charset="0"/>
+              <a:cs typeface="Times New Roman" panose="02020603050405020304" pitchFamily="18" charset="0"/>
+            </a:endParaRPr>
+          </a:p>
+        </p:txBody>
+      </p:sp>
+      <p:sp>
+        <p:nvSpPr>
+          <p:cNvPr id="4" name="Rectangle 3"/>
+          <p:cNvSpPr/>
+          <p:nvPr/>
+        </p:nvSpPr>
+        <p:spPr>
+          <a:xfrm>
+            <a:off x="2173905" y="840968"/>
+            <a:ext cx="2619628" cy="517065"/>
+          </a:xfrm>
+          <a:prstGeom prst="rect">
+            <a:avLst/>
+          </a:prstGeom>
+        </p:spPr>
+        <p:txBody>
+          <a:bodyPr wrap="none">
+            <a:spAutoFit/>
+          </a:bodyPr>
+          <a:lstStyle/>
+          <a:p>
+            <a:pPr lvl="0">
+              <a:lnSpc>
+                <a:spcPct val="115000"/>
+              </a:lnSpc>
+              <a:spcAft>
+                <a:spcPts val="1000"/>
+              </a:spcAft>
+            </a:pPr>
+            <a:r>
+              <a:rPr lang="en-US" sz="2400" b="1" smtClean="0">
+                <a:solidFill>
+                  <a:srgbClr val="2F5496"/>
+                </a:solidFill>
+                <a:latin typeface="Times New Roman" panose="02020603050405020304" pitchFamily="18" charset="0"/>
+                <a:ea typeface="Calibri" panose="020F0502020204030204" pitchFamily="34" charset="0"/>
+                <a:cs typeface="Times New Roman" panose="02020603050405020304" pitchFamily="18" charset="0"/>
+              </a:rPr>
+              <a:t>II. </a:t>
+            </a:r>
+            <a:r>
+              <a:rPr lang="en-US" sz="2400" b="1" smtClean="0">
+                <a:solidFill>
+                  <a:srgbClr val="2F5496"/>
+                </a:solidFill>
+                <a:latin typeface="Times New Roman" panose="02020603050405020304" pitchFamily="18" charset="0"/>
+                <a:ea typeface="Calibri" panose="020F0502020204030204" pitchFamily="34" charset="0"/>
+                <a:cs typeface="Times New Roman" panose="02020603050405020304" pitchFamily="18" charset="0"/>
+              </a:rPr>
+              <a:t>Biểu đồ tuần tự</a:t>
+            </a:r>
+            <a:endParaRPr lang="vi-VN" sz="2400">
+              <a:effectLst/>
+              <a:latin typeface="Calibri" panose="020F0502020204030204" pitchFamily="34" charset="0"/>
+              <a:ea typeface="Calibri" panose="020F0502020204030204" pitchFamily="34" charset="0"/>
+              <a:cs typeface="Times New Roman" panose="02020603050405020304" pitchFamily="18" charset="0"/>
+            </a:endParaRPr>
+          </a:p>
+        </p:txBody>
+      </p:sp>
+    </p:spTree>
+    <p:extLst>
+      <p:ext uri="{BB962C8B-B14F-4D97-AF65-F5344CB8AC3E}">
+        <p14:creationId xmlns:p14="http://schemas.microsoft.com/office/powerpoint/2010/main" val="2004211926"/>
+      </p:ext>
+    </p:extLst>
+  </p:cSld>
+  <p:clrMapOvr>
+    <a:masterClrMapping/>
+  </p:clrMapOvr>
+  <p:timing>
+    <p:tnLst>
+      <p:par>
+        <p:cTn id="1" dur="indefinite" restart="never" nodeType="tmRoot"/>
+      </p:par>
+    </p:tnLst>
+  </p:timing>
+</p:sld>
+</file>
+
+<file path=ppt/slides/slide28.xml><?xml version="1.0" encoding="utf-8"?>
+<p:sld xmlns:a="http://schemas.openxmlformats.org/drawingml/2006/main" xmlns:r="http://schemas.openxmlformats.org/officeDocument/2006/relationships" xmlns:p="http://schemas.openxmlformats.org/presentationml/2006/main">
+  <p:cSld>
+    <p:spTree>
+      <p:nvGrpSpPr>
+        <p:cNvPr id="1" name=""/>
+        <p:cNvGrpSpPr/>
+        <p:nvPr/>
+      </p:nvGrpSpPr>
+      <p:grpSpPr>
+        <a:xfrm>
+          <a:off x="0" y="0"/>
+          <a:ext cx="0" cy="0"/>
+          <a:chOff x="0" y="0"/>
+          <a:chExt cx="0" cy="0"/>
+        </a:xfrm>
+      </p:grpSpPr>
+      <p:sp>
+        <p:nvSpPr>
+          <p:cNvPr id="7" name="Rectangle 6"/>
+          <p:cNvSpPr/>
+          <p:nvPr/>
+        </p:nvSpPr>
+        <p:spPr>
+          <a:xfrm>
+            <a:off x="4471132" y="5831124"/>
+            <a:ext cx="3190297" cy="369332"/>
+          </a:xfrm>
+          <a:prstGeom prst="rect">
+            <a:avLst/>
+          </a:prstGeom>
+        </p:spPr>
+        <p:txBody>
+          <a:bodyPr wrap="none">
+            <a:spAutoFit/>
+          </a:bodyPr>
+          <a:lstStyle/>
+          <a:p>
+            <a:r>
+              <a:rPr lang="en-US" i="1" dirty="0" err="1" smtClean="0">
+                <a:solidFill>
+                  <a:srgbClr val="002060"/>
+                </a:solidFill>
+                <a:latin typeface="Times New Roman" panose="02020603050405020304" pitchFamily="18" charset="0"/>
+                <a:cs typeface="Times New Roman" panose="02020603050405020304" pitchFamily="18" charset="0"/>
+              </a:rPr>
+              <a:t>Biểu</a:t>
+            </a:r>
+            <a:r>
+              <a:rPr lang="en-US" i="1" dirty="0" smtClean="0">
+                <a:solidFill>
+                  <a:srgbClr val="002060"/>
+                </a:solidFill>
+                <a:latin typeface="Times New Roman" panose="02020603050405020304" pitchFamily="18" charset="0"/>
+                <a:cs typeface="Times New Roman" panose="02020603050405020304" pitchFamily="18" charset="0"/>
+              </a:rPr>
+              <a:t> </a:t>
+            </a:r>
+            <a:r>
+              <a:rPr lang="en-US" i="1" dirty="0" err="1" smtClean="0">
+                <a:solidFill>
+                  <a:srgbClr val="002060"/>
+                </a:solidFill>
+                <a:latin typeface="Times New Roman" panose="02020603050405020304" pitchFamily="18" charset="0"/>
+                <a:cs typeface="Times New Roman" panose="02020603050405020304" pitchFamily="18" charset="0"/>
+              </a:rPr>
+              <a:t>đồ</a:t>
+            </a:r>
+            <a:r>
+              <a:rPr lang="en-US" i="1" dirty="0" smtClean="0">
+                <a:solidFill>
+                  <a:srgbClr val="002060"/>
+                </a:solidFill>
+                <a:latin typeface="Times New Roman" panose="02020603050405020304" pitchFamily="18" charset="0"/>
+                <a:cs typeface="Times New Roman" panose="02020603050405020304" pitchFamily="18" charset="0"/>
+              </a:rPr>
+              <a:t> </a:t>
+            </a:r>
+            <a:r>
+              <a:rPr lang="en-US" i="1" dirty="0" err="1" smtClean="0">
+                <a:solidFill>
+                  <a:srgbClr val="002060"/>
+                </a:solidFill>
+                <a:latin typeface="Times New Roman" panose="02020603050405020304" pitchFamily="18" charset="0"/>
+                <a:cs typeface="Times New Roman" panose="02020603050405020304" pitchFamily="18" charset="0"/>
+              </a:rPr>
+              <a:t>tuần</a:t>
+            </a:r>
+            <a:r>
+              <a:rPr lang="en-US" i="1" dirty="0" smtClean="0">
+                <a:solidFill>
+                  <a:srgbClr val="002060"/>
+                </a:solidFill>
+                <a:latin typeface="Times New Roman" panose="02020603050405020304" pitchFamily="18" charset="0"/>
+                <a:cs typeface="Times New Roman" panose="02020603050405020304" pitchFamily="18" charset="0"/>
+              </a:rPr>
+              <a:t> </a:t>
+            </a:r>
+            <a:r>
+              <a:rPr lang="en-US" i="1" dirty="0" err="1" smtClean="0">
+                <a:solidFill>
+                  <a:srgbClr val="002060"/>
+                </a:solidFill>
+                <a:latin typeface="Times New Roman" panose="02020603050405020304" pitchFamily="18" charset="0"/>
+                <a:cs typeface="Times New Roman" panose="02020603050405020304" pitchFamily="18" charset="0"/>
+              </a:rPr>
+              <a:t>tự</a:t>
+            </a:r>
+            <a:r>
+              <a:rPr lang="en-US" i="1" dirty="0">
+                <a:solidFill>
+                  <a:srgbClr val="002060"/>
+                </a:solidFill>
+                <a:latin typeface="Times New Roman" panose="02020603050405020304" pitchFamily="18" charset="0"/>
+                <a:cs typeface="Times New Roman" panose="02020603050405020304" pitchFamily="18" charset="0"/>
+              </a:rPr>
+              <a:t> </a:t>
+            </a:r>
+            <a:r>
+              <a:rPr lang="en-US" i="1" dirty="0" err="1" smtClean="0">
+                <a:solidFill>
+                  <a:srgbClr val="002060"/>
+                </a:solidFill>
+                <a:latin typeface="Times New Roman" panose="02020603050405020304" pitchFamily="18" charset="0"/>
+                <a:cs typeface="Times New Roman" panose="02020603050405020304" pitchFamily="18" charset="0"/>
+              </a:rPr>
+              <a:t>liệt</a:t>
+            </a:r>
+            <a:r>
+              <a:rPr lang="en-US" i="1" dirty="0">
+                <a:solidFill>
+                  <a:srgbClr val="002060"/>
+                </a:solidFill>
+                <a:latin typeface="Times New Roman" panose="02020603050405020304" pitchFamily="18" charset="0"/>
+                <a:cs typeface="Times New Roman" panose="02020603050405020304" pitchFamily="18" charset="0"/>
+              </a:rPr>
+              <a:t> </a:t>
+            </a:r>
+            <a:r>
+              <a:rPr lang="en-US" i="1" dirty="0" err="1" smtClean="0">
+                <a:solidFill>
+                  <a:srgbClr val="002060"/>
+                </a:solidFill>
+                <a:latin typeface="Times New Roman" panose="02020603050405020304" pitchFamily="18" charset="0"/>
+                <a:cs typeface="Times New Roman" panose="02020603050405020304" pitchFamily="18" charset="0"/>
+              </a:rPr>
+              <a:t>kê</a:t>
+            </a:r>
+            <a:r>
+              <a:rPr lang="en-US" i="1" dirty="0">
+                <a:solidFill>
+                  <a:srgbClr val="002060"/>
+                </a:solidFill>
+                <a:latin typeface="Times New Roman" panose="02020603050405020304" pitchFamily="18" charset="0"/>
+                <a:cs typeface="Times New Roman" panose="02020603050405020304" pitchFamily="18" charset="0"/>
+              </a:rPr>
+              <a:t> </a:t>
+            </a:r>
+            <a:r>
+              <a:rPr lang="en-US" i="1" dirty="0" err="1" smtClean="0">
+                <a:solidFill>
+                  <a:srgbClr val="002060"/>
+                </a:solidFill>
+                <a:latin typeface="Times New Roman" panose="02020603050405020304" pitchFamily="18" charset="0"/>
+                <a:cs typeface="Times New Roman" panose="02020603050405020304" pitchFamily="18" charset="0"/>
+              </a:rPr>
+              <a:t>nhân</a:t>
+            </a:r>
+            <a:r>
+              <a:rPr lang="en-US" i="1" dirty="0">
+                <a:solidFill>
+                  <a:srgbClr val="002060"/>
+                </a:solidFill>
+                <a:latin typeface="Times New Roman" panose="02020603050405020304" pitchFamily="18" charset="0"/>
+                <a:cs typeface="Times New Roman" panose="02020603050405020304" pitchFamily="18" charset="0"/>
+              </a:rPr>
+              <a:t> </a:t>
+            </a:r>
+            <a:r>
+              <a:rPr lang="en-US" i="1" dirty="0" err="1" smtClean="0">
+                <a:solidFill>
+                  <a:srgbClr val="002060"/>
+                </a:solidFill>
+                <a:latin typeface="Times New Roman" panose="02020603050405020304" pitchFamily="18" charset="0"/>
+                <a:cs typeface="Times New Roman" panose="02020603050405020304" pitchFamily="18" charset="0"/>
+              </a:rPr>
+              <a:t>viên</a:t>
+            </a:r>
+            <a:endParaRPr lang="vi-VN" i="1" dirty="0">
+              <a:solidFill>
+                <a:srgbClr val="002060"/>
+              </a:solidFill>
+              <a:latin typeface="Times New Roman" panose="02020603050405020304" pitchFamily="18" charset="0"/>
+              <a:cs typeface="Times New Roman" panose="02020603050405020304" pitchFamily="18" charset="0"/>
+            </a:endParaRPr>
+          </a:p>
+        </p:txBody>
+      </p:sp>
+      <p:pic>
+        <p:nvPicPr>
+          <p:cNvPr id="1026" name="Picture 2" descr="C:\Users\Administrator\Desktop\Pttk\ListStaffSeq.JPG"/>
+          <p:cNvPicPr>
+            <a:picLocks noChangeAspect="1" noChangeArrowheads="1"/>
+          </p:cNvPicPr>
+          <p:nvPr/>
+        </p:nvPicPr>
+        <p:blipFill>
+          <a:blip r:embed="rId2">
+            <a:extLst>
+              <a:ext uri="{28A0092B-C50C-407E-A947-70E740481C1C}">
+                <a14:useLocalDpi xmlns:a14="http://schemas.microsoft.com/office/drawing/2010/main" val="0"/>
+              </a:ext>
+            </a:extLst>
+          </a:blip>
+          <a:srcRect/>
+          <a:stretch>
+            <a:fillRect/>
+          </a:stretch>
+        </p:blipFill>
+        <p:spPr bwMode="auto">
+          <a:xfrm>
+            <a:off x="2748631" y="1613378"/>
+            <a:ext cx="7086600" cy="3962400"/>
+          </a:xfrm>
+          <a:prstGeom prst="rect">
+            <a:avLst/>
+          </a:prstGeom>
+          <a:noFill/>
+          <a:extLst>
+            <a:ext uri="{909E8E84-426E-40DD-AFC4-6F175D3DCCD1}">
+              <a14:hiddenFill xmlns:a14="http://schemas.microsoft.com/office/drawing/2010/main">
+                <a:solidFill>
+                  <a:srgbClr val="FFFFFF"/>
+                </a:solidFill>
+              </a14:hiddenFill>
+            </a:ext>
+          </a:extLst>
+        </p:spPr>
+      </p:pic>
+      <p:sp>
+        <p:nvSpPr>
+          <p:cNvPr id="4" name="Rectangle 3"/>
+          <p:cNvSpPr/>
+          <p:nvPr/>
+        </p:nvSpPr>
+        <p:spPr>
+          <a:xfrm>
+            <a:off x="2173905" y="840968"/>
+            <a:ext cx="2619628" cy="517065"/>
+          </a:xfrm>
+          <a:prstGeom prst="rect">
+            <a:avLst/>
+          </a:prstGeom>
+        </p:spPr>
+        <p:txBody>
+          <a:bodyPr wrap="none">
+            <a:spAutoFit/>
+          </a:bodyPr>
+          <a:lstStyle/>
+          <a:p>
+            <a:pPr lvl="0">
+              <a:lnSpc>
+                <a:spcPct val="115000"/>
+              </a:lnSpc>
+              <a:spcAft>
+                <a:spcPts val="1000"/>
+              </a:spcAft>
+            </a:pPr>
+            <a:r>
+              <a:rPr lang="en-US" sz="2400" b="1" smtClean="0">
+                <a:solidFill>
+                  <a:srgbClr val="2F5496"/>
+                </a:solidFill>
+                <a:latin typeface="Times New Roman" panose="02020603050405020304" pitchFamily="18" charset="0"/>
+                <a:ea typeface="Calibri" panose="020F0502020204030204" pitchFamily="34" charset="0"/>
+                <a:cs typeface="Times New Roman" panose="02020603050405020304" pitchFamily="18" charset="0"/>
+              </a:rPr>
+              <a:t>II. </a:t>
+            </a:r>
+            <a:r>
+              <a:rPr lang="en-US" sz="2400" b="1" smtClean="0">
+                <a:solidFill>
+                  <a:srgbClr val="2F5496"/>
+                </a:solidFill>
+                <a:latin typeface="Times New Roman" panose="02020603050405020304" pitchFamily="18" charset="0"/>
+                <a:ea typeface="Calibri" panose="020F0502020204030204" pitchFamily="34" charset="0"/>
+                <a:cs typeface="Times New Roman" panose="02020603050405020304" pitchFamily="18" charset="0"/>
+              </a:rPr>
+              <a:t>Biểu đồ tuần tự</a:t>
+            </a:r>
+            <a:endParaRPr lang="vi-VN" sz="2400">
+              <a:effectLst/>
+              <a:latin typeface="Calibri" panose="020F0502020204030204" pitchFamily="34" charset="0"/>
+              <a:ea typeface="Calibri" panose="020F0502020204030204" pitchFamily="34" charset="0"/>
+              <a:cs typeface="Times New Roman" panose="02020603050405020304" pitchFamily="18" charset="0"/>
+            </a:endParaRPr>
+          </a:p>
+        </p:txBody>
+      </p:sp>
+    </p:spTree>
+    <p:extLst>
+      <p:ext uri="{BB962C8B-B14F-4D97-AF65-F5344CB8AC3E}">
+        <p14:creationId xmlns:p14="http://schemas.microsoft.com/office/powerpoint/2010/main" val="1333819895"/>
+      </p:ext>
+    </p:extLst>
+  </p:cSld>
+  <p:clrMapOvr>
+    <a:masterClrMapping/>
+  </p:clrMapOvr>
+  <p:timing>
+    <p:tnLst>
+      <p:par>
+        <p:cTn id="1" dur="indefinite" restart="never" nodeType="tmRoot"/>
+      </p:par>
+    </p:tnLst>
+  </p:timing>
+</p:sld>
+</file>
+
+<file path=ppt/slides/slide29.xml><?xml version="1.0" encoding="utf-8"?>
+<p:sld xmlns:a="http://schemas.openxmlformats.org/drawingml/2006/main" xmlns:r="http://schemas.openxmlformats.org/officeDocument/2006/relationships" xmlns:p="http://schemas.openxmlformats.org/presentationml/2006/main">
+  <p:cSld>
+    <p:spTree>
+      <p:nvGrpSpPr>
+        <p:cNvPr id="1" name=""/>
+        <p:cNvGrpSpPr/>
+        <p:nvPr/>
+      </p:nvGrpSpPr>
+      <p:grpSpPr>
+        <a:xfrm>
+          <a:off x="0" y="0"/>
+          <a:ext cx="0" cy="0"/>
+          <a:chOff x="0" y="0"/>
+          <a:chExt cx="0" cy="0"/>
+        </a:xfrm>
+      </p:grpSpPr>
+      <p:pic>
+        <p:nvPicPr>
+          <p:cNvPr id="5" name="Picture 4"/>
+          <p:cNvPicPr>
+            <a:picLocks noChangeAspect="1"/>
+          </p:cNvPicPr>
+          <p:nvPr/>
+        </p:nvPicPr>
+        <p:blipFill>
+          <a:blip r:embed="rId2">
+            <a:extLst>
+              <a:ext uri="{28A0092B-C50C-407E-A947-70E740481C1C}">
+                <a14:useLocalDpi xmlns:a14="http://schemas.microsoft.com/office/drawing/2010/main" val="0"/>
+              </a:ext>
+            </a:extLst>
+          </a:blip>
+          <a:stretch>
+            <a:fillRect/>
+          </a:stretch>
+        </p:blipFill>
+        <p:spPr>
+          <a:xfrm>
+            <a:off x="1302493" y="290084"/>
+            <a:ext cx="10249856" cy="4932419"/>
+          </a:xfrm>
+          <a:prstGeom prst="rect">
+            <a:avLst/>
+          </a:prstGeom>
+        </p:spPr>
+      </p:pic>
+      <p:sp>
+        <p:nvSpPr>
+          <p:cNvPr id="6" name="TextBox 5"/>
+          <p:cNvSpPr txBox="1"/>
+          <p:nvPr/>
+        </p:nvSpPr>
+        <p:spPr>
+          <a:xfrm>
+            <a:off x="5267459" y="6168980"/>
+            <a:ext cx="3081293" cy="369332"/>
+          </a:xfrm>
+          <a:prstGeom prst="rect">
+            <a:avLst/>
+          </a:prstGeom>
+          <a:noFill/>
+        </p:spPr>
+        <p:txBody>
+          <a:bodyPr wrap="none" rtlCol="0">
+            <a:spAutoFit/>
+          </a:bodyPr>
+          <a:lstStyle/>
+          <a:p>
+            <a:r>
+              <a:rPr lang="en-US" i="1" dirty="0" err="1" smtClean="0">
+                <a:solidFill>
+                  <a:srgbClr val="002060"/>
+                </a:solidFill>
+                <a:latin typeface="Times New Roman" panose="02020603050405020304" pitchFamily="18" charset="0"/>
+                <a:cs typeface="Times New Roman" panose="02020603050405020304" pitchFamily="18" charset="0"/>
+              </a:rPr>
+              <a:t>Biểu</a:t>
+            </a:r>
+            <a:r>
+              <a:rPr lang="en-US" i="1" dirty="0" smtClean="0">
+                <a:solidFill>
+                  <a:srgbClr val="002060"/>
+                </a:solidFill>
+                <a:latin typeface="Times New Roman" panose="02020603050405020304" pitchFamily="18" charset="0"/>
+                <a:cs typeface="Times New Roman" panose="02020603050405020304" pitchFamily="18" charset="0"/>
+              </a:rPr>
+              <a:t> </a:t>
+            </a:r>
+            <a:r>
+              <a:rPr lang="en-US" i="1" dirty="0" err="1" smtClean="0">
+                <a:solidFill>
+                  <a:srgbClr val="002060"/>
+                </a:solidFill>
+                <a:latin typeface="Times New Roman" panose="02020603050405020304" pitchFamily="18" charset="0"/>
+                <a:cs typeface="Times New Roman" panose="02020603050405020304" pitchFamily="18" charset="0"/>
+              </a:rPr>
+              <a:t>đồ</a:t>
+            </a:r>
+            <a:r>
+              <a:rPr lang="en-US" i="1" dirty="0" smtClean="0">
+                <a:solidFill>
+                  <a:srgbClr val="002060"/>
+                </a:solidFill>
+                <a:latin typeface="Times New Roman" panose="02020603050405020304" pitchFamily="18" charset="0"/>
+                <a:cs typeface="Times New Roman" panose="02020603050405020304" pitchFamily="18" charset="0"/>
+              </a:rPr>
+              <a:t> </a:t>
+            </a:r>
+            <a:r>
+              <a:rPr lang="en-US" i="1" dirty="0" err="1" smtClean="0">
+                <a:solidFill>
+                  <a:srgbClr val="002060"/>
+                </a:solidFill>
+                <a:latin typeface="Times New Roman" panose="02020603050405020304" pitchFamily="18" charset="0"/>
+                <a:cs typeface="Times New Roman" panose="02020603050405020304" pitchFamily="18" charset="0"/>
+              </a:rPr>
+              <a:t>tuần</a:t>
+            </a:r>
+            <a:r>
+              <a:rPr lang="en-US" i="1" dirty="0" smtClean="0">
+                <a:solidFill>
+                  <a:srgbClr val="002060"/>
+                </a:solidFill>
+                <a:latin typeface="Times New Roman" panose="02020603050405020304" pitchFamily="18" charset="0"/>
+                <a:cs typeface="Times New Roman" panose="02020603050405020304" pitchFamily="18" charset="0"/>
+              </a:rPr>
+              <a:t> </a:t>
+            </a:r>
+            <a:r>
+              <a:rPr lang="en-US" i="1" dirty="0" err="1" smtClean="0">
+                <a:solidFill>
+                  <a:srgbClr val="002060"/>
+                </a:solidFill>
+                <a:latin typeface="Times New Roman" panose="02020603050405020304" pitchFamily="18" charset="0"/>
+                <a:cs typeface="Times New Roman" panose="02020603050405020304" pitchFamily="18" charset="0"/>
+              </a:rPr>
+              <a:t>tự</a:t>
+            </a:r>
+            <a:r>
+              <a:rPr lang="en-US" i="1" dirty="0" smtClean="0">
+                <a:solidFill>
+                  <a:srgbClr val="002060"/>
+                </a:solidFill>
+                <a:latin typeface="Times New Roman" panose="02020603050405020304" pitchFamily="18" charset="0"/>
+                <a:cs typeface="Times New Roman" panose="02020603050405020304" pitchFamily="18" charset="0"/>
+              </a:rPr>
+              <a:t> </a:t>
+            </a:r>
+            <a:r>
+              <a:rPr lang="en-US" i="1" dirty="0" err="1" smtClean="0">
+                <a:solidFill>
+                  <a:srgbClr val="002060"/>
+                </a:solidFill>
+                <a:latin typeface="Times New Roman" panose="02020603050405020304" pitchFamily="18" charset="0"/>
+                <a:cs typeface="Times New Roman" panose="02020603050405020304" pitchFamily="18" charset="0"/>
+              </a:rPr>
+              <a:t>thêm</a:t>
+            </a:r>
+            <a:r>
+              <a:rPr lang="en-US" i="1" dirty="0" smtClean="0">
+                <a:solidFill>
+                  <a:srgbClr val="002060"/>
+                </a:solidFill>
+                <a:latin typeface="Times New Roman" panose="02020603050405020304" pitchFamily="18" charset="0"/>
+                <a:cs typeface="Times New Roman" panose="02020603050405020304" pitchFamily="18" charset="0"/>
+              </a:rPr>
+              <a:t> </a:t>
+            </a:r>
+            <a:r>
+              <a:rPr lang="en-US" i="1" dirty="0" err="1" smtClean="0">
+                <a:solidFill>
+                  <a:srgbClr val="002060"/>
+                </a:solidFill>
+                <a:latin typeface="Times New Roman" panose="02020603050405020304" pitchFamily="18" charset="0"/>
+                <a:cs typeface="Times New Roman" panose="02020603050405020304" pitchFamily="18" charset="0"/>
+              </a:rPr>
+              <a:t>nhân</a:t>
+            </a:r>
+            <a:r>
+              <a:rPr lang="en-US" i="1" dirty="0" smtClean="0">
+                <a:solidFill>
+                  <a:srgbClr val="002060"/>
+                </a:solidFill>
+                <a:latin typeface="Times New Roman" panose="02020603050405020304" pitchFamily="18" charset="0"/>
+                <a:cs typeface="Times New Roman" panose="02020603050405020304" pitchFamily="18" charset="0"/>
+              </a:rPr>
+              <a:t> </a:t>
+            </a:r>
+            <a:r>
+              <a:rPr lang="en-US" i="1" dirty="0" err="1" smtClean="0">
+                <a:solidFill>
+                  <a:srgbClr val="002060"/>
+                </a:solidFill>
+                <a:latin typeface="Times New Roman" panose="02020603050405020304" pitchFamily="18" charset="0"/>
+                <a:cs typeface="Times New Roman" panose="02020603050405020304" pitchFamily="18" charset="0"/>
+              </a:rPr>
+              <a:t>viên</a:t>
+            </a:r>
+            <a:endParaRPr lang="vi-VN" i="1" dirty="0">
+              <a:solidFill>
+                <a:srgbClr val="002060"/>
+              </a:solidFill>
+              <a:latin typeface="Times New Roman" panose="02020603050405020304" pitchFamily="18" charset="0"/>
+              <a:cs typeface="Times New Roman" panose="02020603050405020304" pitchFamily="18" charset="0"/>
+            </a:endParaRPr>
+          </a:p>
+        </p:txBody>
+      </p:sp>
+    </p:spTree>
+    <p:extLst>
+      <p:ext uri="{BB962C8B-B14F-4D97-AF65-F5344CB8AC3E}">
+        <p14:creationId xmlns:p14="http://schemas.microsoft.com/office/powerpoint/2010/main" val="95919260"/>
+      </p:ext>
+    </p:extLst>
+  </p:cSld>
+  <p:clrMapOvr>
+    <a:masterClrMapping/>
+  </p:clrMapOvr>
+  <p:timing>
+    <p:tnLst>
+      <p:par>
+        <p:cTn id="1" dur="indefinite" restart="never" nodeType="tmRoot"/>
+      </p:par>
+    </p:tnLst>
+  </p:timing>
+</p:sld>
+</file>
+
 <file path=ppt/slides/slide3.xml><?xml version="1.0" encoding="utf-8"?>
 <p:sld xmlns:a="http://schemas.openxmlformats.org/drawingml/2006/main" xmlns:r="http://schemas.openxmlformats.org/officeDocument/2006/relationships" xmlns:p="http://schemas.openxmlformats.org/presentationml/2006/main">
   <p:cSld>
@@ -11041,6 +13957,722 @@
   <p:clrMapOvr>
     <a:masterClrMapping/>
   </p:clrMapOvr>
+</p:sld>
+</file>
+
+<file path=ppt/slides/slide30.xml><?xml version="1.0" encoding="utf-8"?>
+<p:sld xmlns:a="http://schemas.openxmlformats.org/drawingml/2006/main" xmlns:r="http://schemas.openxmlformats.org/officeDocument/2006/relationships" xmlns:p="http://schemas.openxmlformats.org/presentationml/2006/main">
+  <p:cSld>
+    <p:spTree>
+      <p:nvGrpSpPr>
+        <p:cNvPr id="1" name=""/>
+        <p:cNvGrpSpPr/>
+        <p:nvPr/>
+      </p:nvGrpSpPr>
+      <p:grpSpPr>
+        <a:xfrm>
+          <a:off x="0" y="0"/>
+          <a:ext cx="0" cy="0"/>
+          <a:chOff x="0" y="0"/>
+          <a:chExt cx="0" cy="0"/>
+        </a:xfrm>
+      </p:grpSpPr>
+      <p:sp>
+        <p:nvSpPr>
+          <p:cNvPr id="6" name="TextBox 5"/>
+          <p:cNvSpPr txBox="1"/>
+          <p:nvPr/>
+        </p:nvSpPr>
+        <p:spPr>
+          <a:xfrm>
+            <a:off x="5267459" y="6168980"/>
+            <a:ext cx="4318811" cy="369332"/>
+          </a:xfrm>
+          <a:prstGeom prst="rect">
+            <a:avLst/>
+          </a:prstGeom>
+          <a:noFill/>
+        </p:spPr>
+        <p:txBody>
+          <a:bodyPr wrap="none" rtlCol="0">
+            <a:spAutoFit/>
+          </a:bodyPr>
+          <a:lstStyle/>
+          <a:p>
+            <a:r>
+              <a:rPr lang="en-US" i="1" dirty="0" err="1" smtClean="0">
+                <a:solidFill>
+                  <a:srgbClr val="002060"/>
+                </a:solidFill>
+                <a:latin typeface="Times New Roman" panose="02020603050405020304" pitchFamily="18" charset="0"/>
+                <a:cs typeface="Times New Roman" panose="02020603050405020304" pitchFamily="18" charset="0"/>
+              </a:rPr>
+              <a:t>Biểu</a:t>
+            </a:r>
+            <a:r>
+              <a:rPr lang="en-US" i="1" dirty="0" smtClean="0">
+                <a:solidFill>
+                  <a:srgbClr val="002060"/>
+                </a:solidFill>
+                <a:latin typeface="Times New Roman" panose="02020603050405020304" pitchFamily="18" charset="0"/>
+                <a:cs typeface="Times New Roman" panose="02020603050405020304" pitchFamily="18" charset="0"/>
+              </a:rPr>
+              <a:t> </a:t>
+            </a:r>
+            <a:r>
+              <a:rPr lang="en-US" i="1" dirty="0" err="1" smtClean="0">
+                <a:solidFill>
+                  <a:srgbClr val="002060"/>
+                </a:solidFill>
+                <a:latin typeface="Times New Roman" panose="02020603050405020304" pitchFamily="18" charset="0"/>
+                <a:cs typeface="Times New Roman" panose="02020603050405020304" pitchFamily="18" charset="0"/>
+              </a:rPr>
+              <a:t>đồ</a:t>
+            </a:r>
+            <a:r>
+              <a:rPr lang="en-US" i="1" dirty="0" smtClean="0">
+                <a:solidFill>
+                  <a:srgbClr val="002060"/>
+                </a:solidFill>
+                <a:latin typeface="Times New Roman" panose="02020603050405020304" pitchFamily="18" charset="0"/>
+                <a:cs typeface="Times New Roman" panose="02020603050405020304" pitchFamily="18" charset="0"/>
+              </a:rPr>
+              <a:t> </a:t>
+            </a:r>
+            <a:r>
+              <a:rPr lang="en-US" i="1" dirty="0" err="1" smtClean="0">
+                <a:solidFill>
+                  <a:srgbClr val="002060"/>
+                </a:solidFill>
+                <a:latin typeface="Times New Roman" panose="02020603050405020304" pitchFamily="18" charset="0"/>
+                <a:cs typeface="Times New Roman" panose="02020603050405020304" pitchFamily="18" charset="0"/>
+              </a:rPr>
+              <a:t>tuần</a:t>
+            </a:r>
+            <a:r>
+              <a:rPr lang="en-US" i="1" dirty="0" smtClean="0">
+                <a:solidFill>
+                  <a:srgbClr val="002060"/>
+                </a:solidFill>
+                <a:latin typeface="Times New Roman" panose="02020603050405020304" pitchFamily="18" charset="0"/>
+                <a:cs typeface="Times New Roman" panose="02020603050405020304" pitchFamily="18" charset="0"/>
+              </a:rPr>
+              <a:t> </a:t>
+            </a:r>
+            <a:r>
+              <a:rPr lang="en-US" i="1" dirty="0" err="1" smtClean="0">
+                <a:solidFill>
+                  <a:srgbClr val="002060"/>
+                </a:solidFill>
+                <a:latin typeface="Times New Roman" panose="02020603050405020304" pitchFamily="18" charset="0"/>
+                <a:cs typeface="Times New Roman" panose="02020603050405020304" pitchFamily="18" charset="0"/>
+              </a:rPr>
+              <a:t>tự</a:t>
+            </a:r>
+            <a:r>
+              <a:rPr lang="en-US" i="1" dirty="0" smtClean="0">
+                <a:solidFill>
+                  <a:srgbClr val="002060"/>
+                </a:solidFill>
+                <a:latin typeface="Times New Roman" panose="02020603050405020304" pitchFamily="18" charset="0"/>
+                <a:cs typeface="Times New Roman" panose="02020603050405020304" pitchFamily="18" charset="0"/>
+              </a:rPr>
+              <a:t> </a:t>
+            </a:r>
+            <a:r>
+              <a:rPr lang="en-US" i="1" dirty="0" err="1" smtClean="0">
+                <a:solidFill>
+                  <a:srgbClr val="002060"/>
+                </a:solidFill>
+                <a:latin typeface="Times New Roman" panose="02020603050405020304" pitchFamily="18" charset="0"/>
+                <a:cs typeface="Times New Roman" panose="02020603050405020304" pitchFamily="18" charset="0"/>
+              </a:rPr>
+              <a:t>cập</a:t>
+            </a:r>
+            <a:r>
+              <a:rPr lang="en-US" i="1" dirty="0" smtClean="0">
+                <a:solidFill>
+                  <a:srgbClr val="002060"/>
+                </a:solidFill>
+                <a:latin typeface="Times New Roman" panose="02020603050405020304" pitchFamily="18" charset="0"/>
+                <a:cs typeface="Times New Roman" panose="02020603050405020304" pitchFamily="18" charset="0"/>
+              </a:rPr>
+              <a:t> </a:t>
+            </a:r>
+            <a:r>
+              <a:rPr lang="en-US" i="1" dirty="0" err="1" smtClean="0">
+                <a:solidFill>
+                  <a:srgbClr val="002060"/>
+                </a:solidFill>
+                <a:latin typeface="Times New Roman" panose="02020603050405020304" pitchFamily="18" charset="0"/>
+                <a:cs typeface="Times New Roman" panose="02020603050405020304" pitchFamily="18" charset="0"/>
+              </a:rPr>
+              <a:t>nhật</a:t>
+            </a:r>
+            <a:r>
+              <a:rPr lang="en-US" i="1" dirty="0" smtClean="0">
+                <a:solidFill>
+                  <a:srgbClr val="002060"/>
+                </a:solidFill>
+                <a:latin typeface="Times New Roman" panose="02020603050405020304" pitchFamily="18" charset="0"/>
+                <a:cs typeface="Times New Roman" panose="02020603050405020304" pitchFamily="18" charset="0"/>
+              </a:rPr>
+              <a:t> </a:t>
+            </a:r>
+            <a:r>
+              <a:rPr lang="en-US" i="1" dirty="0" err="1" smtClean="0">
+                <a:solidFill>
+                  <a:srgbClr val="002060"/>
+                </a:solidFill>
+                <a:latin typeface="Times New Roman" panose="02020603050405020304" pitchFamily="18" charset="0"/>
+                <a:cs typeface="Times New Roman" panose="02020603050405020304" pitchFamily="18" charset="0"/>
+              </a:rPr>
+              <a:t>thông</a:t>
+            </a:r>
+            <a:r>
+              <a:rPr lang="en-US" i="1" dirty="0" smtClean="0">
+                <a:solidFill>
+                  <a:srgbClr val="002060"/>
+                </a:solidFill>
+                <a:latin typeface="Times New Roman" panose="02020603050405020304" pitchFamily="18" charset="0"/>
+                <a:cs typeface="Times New Roman" panose="02020603050405020304" pitchFamily="18" charset="0"/>
+              </a:rPr>
+              <a:t> tin </a:t>
+            </a:r>
+            <a:r>
+              <a:rPr lang="en-US" i="1" dirty="0" err="1" smtClean="0">
+                <a:solidFill>
+                  <a:srgbClr val="002060"/>
+                </a:solidFill>
+                <a:latin typeface="Times New Roman" panose="02020603050405020304" pitchFamily="18" charset="0"/>
+                <a:cs typeface="Times New Roman" panose="02020603050405020304" pitchFamily="18" charset="0"/>
+              </a:rPr>
+              <a:t>nhân</a:t>
+            </a:r>
+            <a:r>
+              <a:rPr lang="en-US" i="1" dirty="0" smtClean="0">
+                <a:solidFill>
+                  <a:srgbClr val="002060"/>
+                </a:solidFill>
+                <a:latin typeface="Times New Roman" panose="02020603050405020304" pitchFamily="18" charset="0"/>
+                <a:cs typeface="Times New Roman" panose="02020603050405020304" pitchFamily="18" charset="0"/>
+              </a:rPr>
+              <a:t> </a:t>
+            </a:r>
+            <a:r>
+              <a:rPr lang="en-US" i="1" dirty="0" err="1" smtClean="0">
+                <a:solidFill>
+                  <a:srgbClr val="002060"/>
+                </a:solidFill>
+                <a:latin typeface="Times New Roman" panose="02020603050405020304" pitchFamily="18" charset="0"/>
+                <a:cs typeface="Times New Roman" panose="02020603050405020304" pitchFamily="18" charset="0"/>
+              </a:rPr>
+              <a:t>viên</a:t>
+            </a:r>
+            <a:endParaRPr lang="vi-VN" i="1" dirty="0">
+              <a:solidFill>
+                <a:srgbClr val="002060"/>
+              </a:solidFill>
+              <a:latin typeface="Times New Roman" panose="02020603050405020304" pitchFamily="18" charset="0"/>
+              <a:cs typeface="Times New Roman" panose="02020603050405020304" pitchFamily="18" charset="0"/>
+            </a:endParaRPr>
+          </a:p>
+        </p:txBody>
+      </p:sp>
+      <p:pic>
+        <p:nvPicPr>
+          <p:cNvPr id="2" name="Picture 1"/>
+          <p:cNvPicPr>
+            <a:picLocks noChangeAspect="1"/>
+          </p:cNvPicPr>
+          <p:nvPr/>
+        </p:nvPicPr>
+        <p:blipFill>
+          <a:blip r:embed="rId2">
+            <a:extLst>
+              <a:ext uri="{28A0092B-C50C-407E-A947-70E740481C1C}">
+                <a14:useLocalDpi xmlns:a14="http://schemas.microsoft.com/office/drawing/2010/main" val="0"/>
+              </a:ext>
+            </a:extLst>
+          </a:blip>
+          <a:stretch>
+            <a:fillRect/>
+          </a:stretch>
+        </p:blipFill>
+        <p:spPr>
+          <a:xfrm>
+            <a:off x="2453143" y="191043"/>
+            <a:ext cx="8596930" cy="5618909"/>
+          </a:xfrm>
+          <a:prstGeom prst="rect">
+            <a:avLst/>
+          </a:prstGeom>
+        </p:spPr>
+      </p:pic>
+    </p:spTree>
+    <p:extLst>
+      <p:ext uri="{BB962C8B-B14F-4D97-AF65-F5344CB8AC3E}">
+        <p14:creationId xmlns:p14="http://schemas.microsoft.com/office/powerpoint/2010/main" val="1848998115"/>
+      </p:ext>
+    </p:extLst>
+  </p:cSld>
+  <p:clrMapOvr>
+    <a:masterClrMapping/>
+  </p:clrMapOvr>
+  <p:timing>
+    <p:tnLst>
+      <p:par>
+        <p:cTn id="1" dur="indefinite" restart="never" nodeType="tmRoot"/>
+      </p:par>
+    </p:tnLst>
+  </p:timing>
+</p:sld>
+</file>
+
+<file path=ppt/slides/slide31.xml><?xml version="1.0" encoding="utf-8"?>
+<p:sld xmlns:a="http://schemas.openxmlformats.org/drawingml/2006/main" xmlns:r="http://schemas.openxmlformats.org/officeDocument/2006/relationships" xmlns:p="http://schemas.openxmlformats.org/presentationml/2006/main">
+  <p:cSld>
+    <p:spTree>
+      <p:nvGrpSpPr>
+        <p:cNvPr id="1" name=""/>
+        <p:cNvGrpSpPr/>
+        <p:nvPr/>
+      </p:nvGrpSpPr>
+      <p:grpSpPr>
+        <a:xfrm>
+          <a:off x="0" y="0"/>
+          <a:ext cx="0" cy="0"/>
+          <a:chOff x="0" y="0"/>
+          <a:chExt cx="0" cy="0"/>
+        </a:xfrm>
+      </p:grpSpPr>
+      <p:pic>
+        <p:nvPicPr>
+          <p:cNvPr id="2050" name="Picture 2" descr="C:\Users\Administrator\Desktop\Pttk\DelStaffSeq.JPG"/>
+          <p:cNvPicPr>
+            <a:picLocks noChangeAspect="1" noChangeArrowheads="1"/>
+          </p:cNvPicPr>
+          <p:nvPr/>
+        </p:nvPicPr>
+        <p:blipFill>
+          <a:blip r:embed="rId2">
+            <a:extLst>
+              <a:ext uri="{28A0092B-C50C-407E-A947-70E740481C1C}">
+                <a14:useLocalDpi xmlns:a14="http://schemas.microsoft.com/office/drawing/2010/main" val="0"/>
+              </a:ext>
+            </a:extLst>
+          </a:blip>
+          <a:srcRect/>
+          <a:stretch>
+            <a:fillRect/>
+          </a:stretch>
+        </p:blipFill>
+        <p:spPr bwMode="auto">
+          <a:xfrm>
+            <a:off x="2814471" y="775201"/>
+            <a:ext cx="6305550" cy="4295775"/>
+          </a:xfrm>
+          <a:prstGeom prst="rect">
+            <a:avLst/>
+          </a:prstGeom>
+          <a:noFill/>
+          <a:extLst>
+            <a:ext uri="{909E8E84-426E-40DD-AFC4-6F175D3DCCD1}">
+              <a14:hiddenFill xmlns:a14="http://schemas.microsoft.com/office/drawing/2010/main">
+                <a:solidFill>
+                  <a:srgbClr val="FFFFFF"/>
+                </a:solidFill>
+              </a14:hiddenFill>
+            </a:ext>
+          </a:extLst>
+        </p:spPr>
+      </p:pic>
+      <p:sp>
+        <p:nvSpPr>
+          <p:cNvPr id="5" name="Rectangle 4"/>
+          <p:cNvSpPr/>
+          <p:nvPr/>
+        </p:nvSpPr>
+        <p:spPr>
+          <a:xfrm>
+            <a:off x="3563615" y="5795029"/>
+            <a:ext cx="3357009" cy="369332"/>
+          </a:xfrm>
+          <a:prstGeom prst="rect">
+            <a:avLst/>
+          </a:prstGeom>
+        </p:spPr>
+        <p:txBody>
+          <a:bodyPr wrap="none">
+            <a:spAutoFit/>
+          </a:bodyPr>
+          <a:lstStyle/>
+          <a:p>
+            <a:r>
+              <a:rPr lang="en-US" i="1" dirty="0" err="1">
+                <a:solidFill>
+                  <a:srgbClr val="002060"/>
+                </a:solidFill>
+                <a:latin typeface="Times New Roman" panose="02020603050405020304" pitchFamily="18" charset="0"/>
+                <a:cs typeface="Times New Roman" panose="02020603050405020304" pitchFamily="18" charset="0"/>
+              </a:rPr>
+              <a:t>Biểu</a:t>
+            </a:r>
+            <a:r>
+              <a:rPr lang="en-US" i="1" dirty="0">
+                <a:solidFill>
+                  <a:srgbClr val="002060"/>
+                </a:solidFill>
+                <a:latin typeface="Times New Roman" panose="02020603050405020304" pitchFamily="18" charset="0"/>
+                <a:cs typeface="Times New Roman" panose="02020603050405020304" pitchFamily="18" charset="0"/>
+              </a:rPr>
+              <a:t> </a:t>
+            </a:r>
+            <a:r>
+              <a:rPr lang="en-US" i="1" dirty="0" err="1">
+                <a:solidFill>
+                  <a:srgbClr val="002060"/>
+                </a:solidFill>
+                <a:latin typeface="Times New Roman" panose="02020603050405020304" pitchFamily="18" charset="0"/>
+                <a:cs typeface="Times New Roman" panose="02020603050405020304" pitchFamily="18" charset="0"/>
+              </a:rPr>
+              <a:t>đồ</a:t>
+            </a:r>
+            <a:r>
+              <a:rPr lang="en-US" i="1" dirty="0">
+                <a:solidFill>
+                  <a:srgbClr val="002060"/>
+                </a:solidFill>
+                <a:latin typeface="Times New Roman" panose="02020603050405020304" pitchFamily="18" charset="0"/>
+                <a:cs typeface="Times New Roman" panose="02020603050405020304" pitchFamily="18" charset="0"/>
+              </a:rPr>
+              <a:t> </a:t>
+            </a:r>
+            <a:r>
+              <a:rPr lang="en-US" i="1" dirty="0" err="1">
+                <a:solidFill>
+                  <a:srgbClr val="002060"/>
+                </a:solidFill>
+                <a:latin typeface="Times New Roman" panose="02020603050405020304" pitchFamily="18" charset="0"/>
+                <a:cs typeface="Times New Roman" panose="02020603050405020304" pitchFamily="18" charset="0"/>
+              </a:rPr>
+              <a:t>tuần</a:t>
+            </a:r>
+            <a:r>
+              <a:rPr lang="en-US" i="1" dirty="0">
+                <a:solidFill>
+                  <a:srgbClr val="002060"/>
+                </a:solidFill>
+                <a:latin typeface="Times New Roman" panose="02020603050405020304" pitchFamily="18" charset="0"/>
+                <a:cs typeface="Times New Roman" panose="02020603050405020304" pitchFamily="18" charset="0"/>
+              </a:rPr>
+              <a:t> </a:t>
+            </a:r>
+            <a:r>
+              <a:rPr lang="en-US" i="1" dirty="0" err="1">
+                <a:solidFill>
+                  <a:srgbClr val="002060"/>
+                </a:solidFill>
+                <a:latin typeface="Times New Roman" panose="02020603050405020304" pitchFamily="18" charset="0"/>
+                <a:cs typeface="Times New Roman" panose="02020603050405020304" pitchFamily="18" charset="0"/>
+              </a:rPr>
+              <a:t>tự</a:t>
+            </a:r>
+            <a:r>
+              <a:rPr lang="en-US" i="1" dirty="0">
+                <a:solidFill>
+                  <a:srgbClr val="002060"/>
+                </a:solidFill>
+                <a:latin typeface="Times New Roman" panose="02020603050405020304" pitchFamily="18" charset="0"/>
+                <a:cs typeface="Times New Roman" panose="02020603050405020304" pitchFamily="18" charset="0"/>
+              </a:rPr>
+              <a:t> </a:t>
+            </a:r>
+            <a:r>
+              <a:rPr lang="en-US" i="1" dirty="0" err="1">
+                <a:solidFill>
+                  <a:srgbClr val="002060"/>
+                </a:solidFill>
+                <a:latin typeface="Times New Roman" panose="02020603050405020304" pitchFamily="18" charset="0"/>
+                <a:cs typeface="Times New Roman" panose="02020603050405020304" pitchFamily="18" charset="0"/>
+              </a:rPr>
+              <a:t>cập</a:t>
+            </a:r>
+            <a:r>
+              <a:rPr lang="en-US" i="1" dirty="0">
+                <a:solidFill>
+                  <a:srgbClr val="002060"/>
+                </a:solidFill>
+                <a:latin typeface="Times New Roman" panose="02020603050405020304" pitchFamily="18" charset="0"/>
+                <a:cs typeface="Times New Roman" panose="02020603050405020304" pitchFamily="18" charset="0"/>
+              </a:rPr>
+              <a:t> </a:t>
+            </a:r>
+            <a:r>
+              <a:rPr lang="en-US" i="1" dirty="0" err="1" smtClean="0">
+                <a:solidFill>
+                  <a:srgbClr val="002060"/>
+                </a:solidFill>
+                <a:latin typeface="Times New Roman" panose="02020603050405020304" pitchFamily="18" charset="0"/>
+                <a:cs typeface="Times New Roman" panose="02020603050405020304" pitchFamily="18" charset="0"/>
+              </a:rPr>
+              <a:t>xóa</a:t>
+            </a:r>
+            <a:r>
+              <a:rPr lang="en-US" i="1" dirty="0" smtClean="0">
+                <a:solidFill>
+                  <a:srgbClr val="002060"/>
+                </a:solidFill>
+                <a:latin typeface="Times New Roman" panose="02020603050405020304" pitchFamily="18" charset="0"/>
+                <a:cs typeface="Times New Roman" panose="02020603050405020304" pitchFamily="18" charset="0"/>
+              </a:rPr>
+              <a:t> </a:t>
+            </a:r>
+            <a:r>
+              <a:rPr lang="en-US" i="1" dirty="0" err="1" smtClean="0">
+                <a:solidFill>
+                  <a:srgbClr val="002060"/>
+                </a:solidFill>
+                <a:latin typeface="Times New Roman" panose="02020603050405020304" pitchFamily="18" charset="0"/>
+                <a:cs typeface="Times New Roman" panose="02020603050405020304" pitchFamily="18" charset="0"/>
+              </a:rPr>
+              <a:t>nhân</a:t>
+            </a:r>
+            <a:r>
+              <a:rPr lang="en-US" i="1" dirty="0" smtClean="0">
+                <a:solidFill>
+                  <a:srgbClr val="002060"/>
+                </a:solidFill>
+                <a:latin typeface="Times New Roman" panose="02020603050405020304" pitchFamily="18" charset="0"/>
+                <a:cs typeface="Times New Roman" panose="02020603050405020304" pitchFamily="18" charset="0"/>
+              </a:rPr>
+              <a:t> </a:t>
+            </a:r>
+            <a:r>
+              <a:rPr lang="en-US" i="1" dirty="0" err="1">
+                <a:solidFill>
+                  <a:srgbClr val="002060"/>
+                </a:solidFill>
+                <a:latin typeface="Times New Roman" panose="02020603050405020304" pitchFamily="18" charset="0"/>
+                <a:cs typeface="Times New Roman" panose="02020603050405020304" pitchFamily="18" charset="0"/>
+              </a:rPr>
+              <a:t>viên</a:t>
+            </a:r>
+            <a:endParaRPr lang="vi-VN" i="1" dirty="0">
+              <a:solidFill>
+                <a:srgbClr val="002060"/>
+              </a:solidFill>
+              <a:latin typeface="Times New Roman" panose="02020603050405020304" pitchFamily="18" charset="0"/>
+              <a:cs typeface="Times New Roman" panose="02020603050405020304" pitchFamily="18" charset="0"/>
+            </a:endParaRPr>
+          </a:p>
+        </p:txBody>
+      </p:sp>
+    </p:spTree>
+    <p:extLst>
+      <p:ext uri="{BB962C8B-B14F-4D97-AF65-F5344CB8AC3E}">
+        <p14:creationId xmlns:p14="http://schemas.microsoft.com/office/powerpoint/2010/main" val="4061389448"/>
+      </p:ext>
+    </p:extLst>
+  </p:cSld>
+  <p:clrMapOvr>
+    <a:masterClrMapping/>
+  </p:clrMapOvr>
+  <p:timing>
+    <p:tnLst>
+      <p:par>
+        <p:cTn id="1" dur="indefinite" restart="never" nodeType="tmRoot"/>
+      </p:par>
+    </p:tnLst>
+  </p:timing>
+</p:sld>
+</file>
+
+<file path=ppt/slides/slide32.xml><?xml version="1.0" encoding="utf-8"?>
+<p:sld xmlns:a="http://schemas.openxmlformats.org/drawingml/2006/main" xmlns:r="http://schemas.openxmlformats.org/officeDocument/2006/relationships" xmlns:p="http://schemas.openxmlformats.org/presentationml/2006/main">
+  <p:cSld>
+    <p:spTree>
+      <p:nvGrpSpPr>
+        <p:cNvPr id="1" name=""/>
+        <p:cNvGrpSpPr/>
+        <p:nvPr/>
+      </p:nvGrpSpPr>
+      <p:grpSpPr>
+        <a:xfrm>
+          <a:off x="0" y="0"/>
+          <a:ext cx="0" cy="0"/>
+          <a:chOff x="0" y="0"/>
+          <a:chExt cx="0" cy="0"/>
+        </a:xfrm>
+      </p:grpSpPr>
+      <p:sp>
+        <p:nvSpPr>
+          <p:cNvPr id="5" name="Rectangle 4"/>
+          <p:cNvSpPr/>
+          <p:nvPr/>
+        </p:nvSpPr>
+        <p:spPr>
+          <a:xfrm>
+            <a:off x="3563615" y="5795029"/>
+            <a:ext cx="2459328" cy="369332"/>
+          </a:xfrm>
+          <a:prstGeom prst="rect">
+            <a:avLst/>
+          </a:prstGeom>
+        </p:spPr>
+        <p:txBody>
+          <a:bodyPr wrap="none">
+            <a:spAutoFit/>
+          </a:bodyPr>
+          <a:lstStyle/>
+          <a:p>
+            <a:r>
+              <a:rPr lang="en-US" i="1" dirty="0" err="1">
+                <a:solidFill>
+                  <a:srgbClr val="002060"/>
+                </a:solidFill>
+                <a:latin typeface="Times New Roman" panose="02020603050405020304" pitchFamily="18" charset="0"/>
+                <a:cs typeface="Times New Roman" panose="02020603050405020304" pitchFamily="18" charset="0"/>
+              </a:rPr>
+              <a:t>Biểu</a:t>
+            </a:r>
+            <a:r>
+              <a:rPr lang="en-US" i="1" dirty="0">
+                <a:solidFill>
+                  <a:srgbClr val="002060"/>
+                </a:solidFill>
+                <a:latin typeface="Times New Roman" panose="02020603050405020304" pitchFamily="18" charset="0"/>
+                <a:cs typeface="Times New Roman" panose="02020603050405020304" pitchFamily="18" charset="0"/>
+              </a:rPr>
+              <a:t> </a:t>
+            </a:r>
+            <a:r>
+              <a:rPr lang="en-US" i="1" dirty="0" err="1">
+                <a:solidFill>
+                  <a:srgbClr val="002060"/>
+                </a:solidFill>
+                <a:latin typeface="Times New Roman" panose="02020603050405020304" pitchFamily="18" charset="0"/>
+                <a:cs typeface="Times New Roman" panose="02020603050405020304" pitchFamily="18" charset="0"/>
+              </a:rPr>
+              <a:t>đồ</a:t>
+            </a:r>
+            <a:r>
+              <a:rPr lang="en-US" i="1" dirty="0">
+                <a:solidFill>
+                  <a:srgbClr val="002060"/>
+                </a:solidFill>
+                <a:latin typeface="Times New Roman" panose="02020603050405020304" pitchFamily="18" charset="0"/>
+                <a:cs typeface="Times New Roman" panose="02020603050405020304" pitchFamily="18" charset="0"/>
+              </a:rPr>
+              <a:t> </a:t>
+            </a:r>
+            <a:r>
+              <a:rPr lang="en-US" i="1" dirty="0" err="1">
+                <a:solidFill>
+                  <a:srgbClr val="002060"/>
+                </a:solidFill>
+                <a:latin typeface="Times New Roman" panose="02020603050405020304" pitchFamily="18" charset="0"/>
+                <a:cs typeface="Times New Roman" panose="02020603050405020304" pitchFamily="18" charset="0"/>
+              </a:rPr>
+              <a:t>tuần</a:t>
+            </a:r>
+            <a:r>
+              <a:rPr lang="en-US" i="1" dirty="0">
+                <a:solidFill>
+                  <a:srgbClr val="002060"/>
+                </a:solidFill>
+                <a:latin typeface="Times New Roman" panose="02020603050405020304" pitchFamily="18" charset="0"/>
+                <a:cs typeface="Times New Roman" panose="02020603050405020304" pitchFamily="18" charset="0"/>
+              </a:rPr>
+              <a:t> </a:t>
+            </a:r>
+            <a:r>
+              <a:rPr lang="en-US" i="1" err="1">
+                <a:solidFill>
+                  <a:srgbClr val="002060"/>
+                </a:solidFill>
+                <a:latin typeface="Times New Roman" panose="02020603050405020304" pitchFamily="18" charset="0"/>
+                <a:cs typeface="Times New Roman" panose="02020603050405020304" pitchFamily="18" charset="0"/>
+              </a:rPr>
+              <a:t>tự</a:t>
+            </a:r>
+            <a:r>
+              <a:rPr lang="en-US" i="1">
+                <a:solidFill>
+                  <a:srgbClr val="002060"/>
+                </a:solidFill>
+                <a:latin typeface="Times New Roman" panose="02020603050405020304" pitchFamily="18" charset="0"/>
+                <a:cs typeface="Times New Roman" panose="02020603050405020304" pitchFamily="18" charset="0"/>
+              </a:rPr>
+              <a:t> </a:t>
+            </a:r>
+            <a:r>
+              <a:rPr lang="en-US" i="1" smtClean="0">
+                <a:solidFill>
+                  <a:srgbClr val="002060"/>
+                </a:solidFill>
+                <a:latin typeface="Times New Roman" panose="02020603050405020304" pitchFamily="18" charset="0"/>
+                <a:cs typeface="Times New Roman" panose="02020603050405020304" pitchFamily="18" charset="0"/>
+              </a:rPr>
+              <a:t>tìm kiếm</a:t>
+            </a:r>
+            <a:endParaRPr lang="vi-VN" i="1" dirty="0">
+              <a:solidFill>
+                <a:srgbClr val="002060"/>
+              </a:solidFill>
+              <a:latin typeface="Times New Roman" panose="02020603050405020304" pitchFamily="18" charset="0"/>
+              <a:cs typeface="Times New Roman" panose="02020603050405020304" pitchFamily="18" charset="0"/>
+            </a:endParaRPr>
+          </a:p>
+        </p:txBody>
+      </p:sp>
+      <p:pic>
+        <p:nvPicPr>
+          <p:cNvPr id="2" name="Picture 1"/>
+          <p:cNvPicPr>
+            <a:picLocks noChangeAspect="1"/>
+          </p:cNvPicPr>
+          <p:nvPr/>
+        </p:nvPicPr>
+        <p:blipFill>
+          <a:blip r:embed="rId2">
+            <a:extLst>
+              <a:ext uri="{28A0092B-C50C-407E-A947-70E740481C1C}">
+                <a14:useLocalDpi xmlns:a14="http://schemas.microsoft.com/office/drawing/2010/main" val="0"/>
+              </a:ext>
+            </a:extLst>
+          </a:blip>
+          <a:stretch>
+            <a:fillRect/>
+          </a:stretch>
+        </p:blipFill>
+        <p:spPr>
+          <a:xfrm>
+            <a:off x="2053143" y="1481381"/>
+            <a:ext cx="8085714" cy="3895238"/>
+          </a:xfrm>
+          <a:prstGeom prst="rect">
+            <a:avLst/>
+          </a:prstGeom>
+        </p:spPr>
+      </p:pic>
+    </p:spTree>
+    <p:extLst>
+      <p:ext uri="{BB962C8B-B14F-4D97-AF65-F5344CB8AC3E}">
+        <p14:creationId xmlns:p14="http://schemas.microsoft.com/office/powerpoint/2010/main" val="215225367"/>
+      </p:ext>
+    </p:extLst>
+  </p:cSld>
+  <p:clrMapOvr>
+    <a:masterClrMapping/>
+  </p:clrMapOvr>
+  <p:timing>
+    <p:tnLst>
+      <p:par>
+        <p:cTn id="1" dur="indefinite" restart="never" nodeType="tmRoot"/>
+      </p:par>
+    </p:tnLst>
+  </p:timing>
 </p:sld>
 </file>
 
@@ -13292,4 +16924,265 @@
     </a:ext>
   </a:extLst>
 </a:theme>
+</file>
+
+<file path=ppt/theme/theme2.xml><?xml version="1.0" encoding="utf-8"?>
+<a:theme xmlns:a="http://schemas.openxmlformats.org/drawingml/2006/main" name="Office Theme">
+  <a:themeElements>
+    <a:clrScheme name="Office">
+      <a:dk1>
+        <a:sysClr val="windowText" lastClr="000000"/>
+      </a:dk1>
+      <a:lt1>
+        <a:sysClr val="window" lastClr="FFFFFF"/>
+      </a:lt1>
+      <a:dk2>
+        <a:srgbClr val="44546A"/>
+      </a:dk2>
+      <a:lt2>
+        <a:srgbClr val="E7E6E6"/>
+      </a:lt2>
+      <a:accent1>
+        <a:srgbClr val="5B9BD5"/>
+      </a:accent1>
+      <a:accent2>
+        <a:srgbClr val="ED7D31"/>
+      </a:accent2>
+      <a:accent3>
+        <a:srgbClr val="A5A5A5"/>
+      </a:accent3>
+      <a:accent4>
+        <a:srgbClr val="FFC000"/>
+      </a:accent4>
+      <a:accent5>
+        <a:srgbClr val="4472C4"/>
+      </a:accent5>
+      <a:accent6>
+        <a:srgbClr val="70AD47"/>
+      </a:accent6>
+      <a:hlink>
+        <a:srgbClr val="0563C1"/>
+      </a:hlink>
+      <a:folHlink>
+        <a:srgbClr val="954F72"/>
+      </a:folHlink>
+    </a:clrScheme>
+    <a:fontScheme name="Office">
+      <a:majorFont>
+        <a:latin typeface="Calibri Light" panose="020F0302020204030204"/>
+        <a:ea typeface=""/>
+        <a:cs typeface=""/>
+        <a:font script="Jpan" typeface="ＭＳ Ｐゴシック"/>
+        <a:font script="Hang" typeface="맑은 고딕"/>
+        <a:font script="Hans" typeface="宋体"/>
+        <a:font script="Hant" typeface="新細明體"/>
+        <a:font script="Arab" typeface="Times New Roman"/>
+        <a:font script="Hebr" typeface="Times New Roman"/>
+        <a:font script="Thai" typeface="Angsana New"/>
+        <a:font script="Ethi" typeface="Nyala"/>
+        <a:font script="Beng" typeface="Vrinda"/>
+        <a:font script="Gujr" typeface="Shruti"/>
+        <a:font script="Khmr" typeface="MoolBoran"/>
+        <a:font script="Knda" typeface="Tunga"/>
+        <a:font script="Guru" typeface="Raavi"/>
+        <a:font script="Cans" typeface="Euphemia"/>
+        <a:font script="Cher" typeface="Plantagenet Cherokee"/>
+        <a:font script="Yiii" typeface="Microsoft Yi Baiti"/>
+        <a:font script="Tibt" typeface="Microsoft Himalaya"/>
+        <a:font script="Thaa" typeface="MV Boli"/>
+        <a:font script="Deva" typeface="Mangal"/>
+        <a:font script="Telu" typeface="Gautami"/>
+        <a:font script="Taml" typeface="Latha"/>
+        <a:font script="Syrc" typeface="Estrangelo Edessa"/>
+        <a:font script="Orya" typeface="Kalinga"/>
+        <a:font script="Mlym" typeface="Kartika"/>
+        <a:font script="Laoo" typeface="DokChampa"/>
+        <a:font script="Sinh" typeface="Iskoola Pota"/>
+        <a:font script="Mong" typeface="Mongolian Baiti"/>
+        <a:font script="Viet" typeface="Times New Roman"/>
+        <a:font script="Uigh" typeface="Microsoft Uighur"/>
+        <a:font script="Geor" typeface="Sylfaen"/>
+      </a:majorFont>
+      <a:minorFont>
+        <a:latin typeface="Calibri" panose="020F0502020204030204"/>
+        <a:ea typeface=""/>
+        <a:cs typeface=""/>
+        <a:font script="Jpan" typeface="ＭＳ Ｐゴシック"/>
+        <a:font script="Hang" typeface="맑은 고딕"/>
+        <a:font script="Hans" typeface="宋体"/>
+        <a:font script="Hant" typeface="新細明體"/>
+        <a:font script="Arab" typeface="Arial"/>
+        <a:font script="Hebr" typeface="Arial"/>
+        <a:font script="Thai" typeface="Cordia New"/>
+        <a:font script="Ethi" typeface="Nyala"/>
+        <a:font script="Beng" typeface="Vrinda"/>
+        <a:font script="Gujr" typeface="Shruti"/>
+        <a:font script="Khmr" typeface="DaunPenh"/>
+        <a:font script="Knda" typeface="Tunga"/>
+        <a:font script="Guru" typeface="Raavi"/>
+        <a:font script="Cans" typeface="Euphemia"/>
+        <a:font script="Cher" typeface="Plantagenet Cherokee"/>
+        <a:font script="Yiii" typeface="Microsoft Yi Baiti"/>
+        <a:font script="Tibt" typeface="Microsoft Himalaya"/>
+        <a:font script="Thaa" typeface="MV Boli"/>
+        <a:font script="Deva" typeface="Mangal"/>
+        <a:font script="Telu" typeface="Gautami"/>
+        <a:font script="Taml" typeface="Latha"/>
+        <a:font script="Syrc" typeface="Estrangelo Edessa"/>
+        <a:font script="Orya" typeface="Kalinga"/>
+        <a:font script="Mlym" typeface="Kartika"/>
+        <a:font script="Laoo" typeface="DokChampa"/>
+        <a:font script="Sinh" typeface="Iskoola Pota"/>
+        <a:font script="Mong" typeface="Mongolian Baiti"/>
+        <a:font script="Viet" typeface="Arial"/>
+        <a:font script="Uigh" typeface="Microsoft Uighur"/>
+        <a:font script="Geor" typeface="Sylfaen"/>
+      </a:minorFont>
+    </a:fontScheme>
+    <a:fmtScheme name="Office">
+      <a:fillStyleLst>
+        <a:solidFill>
+          <a:schemeClr val="phClr"/>
+        </a:solidFill>
+        <a:gradFill rotWithShape="1">
+          <a:gsLst>
+            <a:gs pos="0">
+              <a:schemeClr val="phClr">
+                <a:lumMod val="110000"/>
+                <a:satMod val="105000"/>
+                <a:tint val="67000"/>
+              </a:schemeClr>
+            </a:gs>
+            <a:gs pos="50000">
+              <a:schemeClr val="phClr">
+                <a:lumMod val="105000"/>
+                <a:satMod val="103000"/>
+                <a:tint val="73000"/>
+              </a:schemeClr>
+            </a:gs>
+            <a:gs pos="100000">
+              <a:schemeClr val="phClr">
+                <a:lumMod val="105000"/>
+                <a:satMod val="109000"/>
+                <a:tint val="81000"/>
+              </a:schemeClr>
+            </a:gs>
+          </a:gsLst>
+          <a:lin ang="5400000" scaled="0"/>
+        </a:gradFill>
+        <a:gradFill rotWithShape="1">
+          <a:gsLst>
+            <a:gs pos="0">
+              <a:schemeClr val="phClr">
+                <a:satMod val="103000"/>
+                <a:lumMod val="102000"/>
+                <a:tint val="94000"/>
+              </a:schemeClr>
+            </a:gs>
+            <a:gs pos="50000">
+              <a:schemeClr val="phClr">
+                <a:satMod val="110000"/>
+                <a:lumMod val="100000"/>
+                <a:shade val="100000"/>
+              </a:schemeClr>
+            </a:gs>
+            <a:gs pos="100000">
+              <a:schemeClr val="phClr">
+                <a:lumMod val="99000"/>
+                <a:satMod val="120000"/>
+                <a:shade val="78000"/>
+              </a:schemeClr>
+            </a:gs>
+          </a:gsLst>
+          <a:lin ang="5400000" scaled="0"/>
+        </a:gradFill>
+      </a:fillStyleLst>
+      <a:lnStyleLst>
+        <a:ln w="6350" cap="flat" cmpd="sng" algn="ctr">
+          <a:solidFill>
+            <a:schemeClr val="phClr"/>
+          </a:solidFill>
+          <a:prstDash val="solid"/>
+          <a:miter lim="800000"/>
+        </a:ln>
+        <a:ln w="12700" cap="flat" cmpd="sng" algn="ctr">
+          <a:solidFill>
+            <a:schemeClr val="phClr"/>
+          </a:solidFill>
+          <a:prstDash val="solid"/>
+          <a:miter lim="800000"/>
+        </a:ln>
+        <a:ln w="19050" cap="flat" cmpd="sng" algn="ctr">
+          <a:solidFill>
+            <a:schemeClr val="phClr"/>
+          </a:solidFill>
+          <a:prstDash val="solid"/>
+          <a:miter lim="800000"/>
+        </a:ln>
+      </a:lnStyleLst>
+      <a:effectStyleLst>
+        <a:effectStyle>
+          <a:effectLst/>
+        </a:effectStyle>
+        <a:effectStyle>
+          <a:effectLst/>
+        </a:effectStyle>
+        <a:effectStyle>
+          <a:effectLst>
+            <a:outerShdw blurRad="57150" dist="19050" dir="5400000" algn="ctr" rotWithShape="0">
+              <a:srgbClr val="000000">
+                <a:alpha val="63000"/>
+              </a:srgbClr>
+            </a:outerShdw>
+          </a:effectLst>
+        </a:effectStyle>
+      </a:effectStyleLst>
+      <a:bgFillStyleLst>
+        <a:solidFill>
+          <a:schemeClr val="phClr"/>
+        </a:solidFill>
+        <a:solidFill>
+          <a:schemeClr val="phClr">
+            <a:tint val="95000"/>
+            <a:satMod val="170000"/>
+          </a:schemeClr>
+        </a:solidFill>
+        <a:gradFill rotWithShape="1">
+          <a:gsLst>
+            <a:gs pos="0">
+              <a:schemeClr val="phClr">
+                <a:tint val="93000"/>
+                <a:satMod val="150000"/>
+                <a:shade val="98000"/>
+                <a:lumMod val="102000"/>
+              </a:schemeClr>
+            </a:gs>
+            <a:gs pos="50000">
+              <a:schemeClr val="phClr">
+                <a:tint val="98000"/>
+                <a:satMod val="130000"/>
+                <a:shade val="90000"/>
+                <a:lumMod val="103000"/>
+              </a:schemeClr>
+            </a:gs>
+            <a:gs pos="100000">
+              <a:schemeClr val="phClr">
+                <a:shade val="63000"/>
+                <a:satMod val="120000"/>
+              </a:schemeClr>
+            </a:gs>
+          </a:gsLst>
+          <a:lin ang="5400000" scaled="0"/>
+        </a:gradFill>
+      </a:bgFillStyleLst>
+    </a:fmtScheme>
+  </a:themeElements>
+  <a:objectDefaults/>
+  <a:extraClrSchemeLst/>
+  <a:extLst>
+    <a:ext uri="{05A4C25C-085E-4340-85A3-A5531E510DB2}">
+      <thm15:themeFamily xmlns:thm15="http://schemas.microsoft.com/office/thememl/2012/main" name="Office Theme" id="{62F939B6-93AF-4DB8-9C6B-D6C7DFDC589F}" vid="{4A3C46E8-61CC-4603-A589-7422A47A8E4A}"/>
+    </a:ext>
+  </a:extLst>
+</a:theme>
 </file>